--- a/Lectures/Lecture 19/Lecture 19.pptx
+++ b/Lectures/Lecture 19/Lecture 19.pptx
@@ -5,7 +5,7 @@
     <p:sldMasterId id="2147483648" r:id="rId1"/>
   </p:sldMasterIdLst>
   <p:notesMasterIdLst>
-    <p:notesMasterId r:id="rId18"/>
+    <p:notesMasterId r:id="rId15"/>
   </p:notesMasterIdLst>
   <p:sldIdLst>
     <p:sldId id="256" r:id="rId2"/>
@@ -20,10 +20,7 @@
     <p:sldId id="540" r:id="rId11"/>
     <p:sldId id="541" r:id="rId12"/>
     <p:sldId id="542" r:id="rId13"/>
-    <p:sldId id="543" r:id="rId14"/>
-    <p:sldId id="544" r:id="rId15"/>
-    <p:sldId id="545" r:id="rId16"/>
-    <p:sldId id="258" r:id="rId17"/>
+    <p:sldId id="258" r:id="rId14"/>
   </p:sldIdLst>
   <p:sldSz cx="12192000" cy="6858000"/>
   <p:notesSz cx="6858000" cy="9144000"/>
@@ -224,7 +221,7 @@
           <a:p>
             <a:fld id="{467FE51A-BC06-4E6F-B1DA-B477364E598F}" type="datetimeFigureOut">
               <a:rPr lang="en-US" smtClean="0"/>
-              <a:t>3/3/2020</a:t>
+              <a:t>3/5/2020</a:t>
             </a:fld>
             <a:endParaRPr lang="en-US"/>
           </a:p>
@@ -638,7 +635,7 @@
           <a:p>
             <a:fld id="{11C4ABE2-2F1A-4C31-A43A-C3E7CE49CE95}" type="datetimeFigureOut">
               <a:rPr lang="en-US" smtClean="0"/>
-              <a:t>3/3/2020</a:t>
+              <a:t>3/5/2020</a:t>
             </a:fld>
             <a:endParaRPr lang="en-US"/>
           </a:p>
@@ -836,7 +833,7 @@
           <a:p>
             <a:fld id="{11C4ABE2-2F1A-4C31-A43A-C3E7CE49CE95}" type="datetimeFigureOut">
               <a:rPr lang="en-US" smtClean="0"/>
-              <a:t>3/3/2020</a:t>
+              <a:t>3/5/2020</a:t>
             </a:fld>
             <a:endParaRPr lang="en-US"/>
           </a:p>
@@ -1044,7 +1041,7 @@
           <a:p>
             <a:fld id="{11C4ABE2-2F1A-4C31-A43A-C3E7CE49CE95}" type="datetimeFigureOut">
               <a:rPr lang="en-US" smtClean="0"/>
-              <a:t>3/3/2020</a:t>
+              <a:t>3/5/2020</a:t>
             </a:fld>
             <a:endParaRPr lang="en-US"/>
           </a:p>
@@ -1242,7 +1239,7 @@
           <a:p>
             <a:fld id="{11C4ABE2-2F1A-4C31-A43A-C3E7CE49CE95}" type="datetimeFigureOut">
               <a:rPr lang="en-US" smtClean="0"/>
-              <a:t>3/3/2020</a:t>
+              <a:t>3/5/2020</a:t>
             </a:fld>
             <a:endParaRPr lang="en-US"/>
           </a:p>
@@ -1517,7 +1514,7 @@
           <a:p>
             <a:fld id="{11C4ABE2-2F1A-4C31-A43A-C3E7CE49CE95}" type="datetimeFigureOut">
               <a:rPr lang="en-US" smtClean="0"/>
-              <a:t>3/3/2020</a:t>
+              <a:t>3/5/2020</a:t>
             </a:fld>
             <a:endParaRPr lang="en-US"/>
           </a:p>
@@ -1782,7 +1779,7 @@
           <a:p>
             <a:fld id="{11C4ABE2-2F1A-4C31-A43A-C3E7CE49CE95}" type="datetimeFigureOut">
               <a:rPr lang="en-US" smtClean="0"/>
-              <a:t>3/3/2020</a:t>
+              <a:t>3/5/2020</a:t>
             </a:fld>
             <a:endParaRPr lang="en-US"/>
           </a:p>
@@ -2194,7 +2191,7 @@
           <a:p>
             <a:fld id="{11C4ABE2-2F1A-4C31-A43A-C3E7CE49CE95}" type="datetimeFigureOut">
               <a:rPr lang="en-US" smtClean="0"/>
-              <a:t>3/3/2020</a:t>
+              <a:t>3/5/2020</a:t>
             </a:fld>
             <a:endParaRPr lang="en-US"/>
           </a:p>
@@ -2335,7 +2332,7 @@
           <a:p>
             <a:fld id="{11C4ABE2-2F1A-4C31-A43A-C3E7CE49CE95}" type="datetimeFigureOut">
               <a:rPr lang="en-US" smtClean="0"/>
-              <a:t>3/3/2020</a:t>
+              <a:t>3/5/2020</a:t>
             </a:fld>
             <a:endParaRPr lang="en-US"/>
           </a:p>
@@ -2448,7 +2445,7 @@
           <a:p>
             <a:fld id="{11C4ABE2-2F1A-4C31-A43A-C3E7CE49CE95}" type="datetimeFigureOut">
               <a:rPr lang="en-US" smtClean="0"/>
-              <a:t>3/3/2020</a:t>
+              <a:t>3/5/2020</a:t>
             </a:fld>
             <a:endParaRPr lang="en-US"/>
           </a:p>
@@ -2759,7 +2756,7 @@
           <a:p>
             <a:fld id="{11C4ABE2-2F1A-4C31-A43A-C3E7CE49CE95}" type="datetimeFigureOut">
               <a:rPr lang="en-US" smtClean="0"/>
-              <a:t>3/3/2020</a:t>
+              <a:t>3/5/2020</a:t>
             </a:fld>
             <a:endParaRPr lang="en-US"/>
           </a:p>
@@ -3047,7 +3044,7 @@
           <a:p>
             <a:fld id="{11C4ABE2-2F1A-4C31-A43A-C3E7CE49CE95}" type="datetimeFigureOut">
               <a:rPr lang="en-US" smtClean="0"/>
-              <a:t>3/3/2020</a:t>
+              <a:t>3/5/2020</a:t>
             </a:fld>
             <a:endParaRPr lang="en-US"/>
           </a:p>
@@ -3288,7 +3285,7 @@
           <a:p>
             <a:fld id="{11C4ABE2-2F1A-4C31-A43A-C3E7CE49CE95}" type="datetimeFigureOut">
               <a:rPr lang="en-US" smtClean="0"/>
-              <a:t>3/3/2020</a:t>
+              <a:t>3/5/2020</a:t>
             </a:fld>
             <a:endParaRPr lang="en-US"/>
           </a:p>
@@ -7740,8 +7737,8 @@
           </a:prstGeom>
         </p:spPr>
       </p:pic>
-      <mc:AlternateContent xmlns:mc="http://schemas.openxmlformats.org/markup-compatibility/2006">
-        <mc:Choice xmlns:a14="http://schemas.microsoft.com/office/drawing/2010/main" Requires="a14">
+      <mc:AlternateContent xmlns:mc="http://schemas.openxmlformats.org/markup-compatibility/2006" xmlns:a14="http://schemas.microsoft.com/office/drawing/2010/main">
+        <mc:Choice Requires="a14">
           <p:sp>
             <p:nvSpPr>
               <p:cNvPr id="23" name="TextBox 22">
@@ -7770,7 +7767,6 @@
               </a:bodyPr>
               <a:lstStyle/>
               <a:p>
-                <a:pPr/>
                 <a:r>
                   <a:rPr lang="en-US" sz="2000" b="0" dirty="0">
                     <a:solidFill>
@@ -7797,16 +7793,7 @@
                         </a:solidFill>
                         <a:latin typeface="Cambria Math" panose="02040503050406030204" pitchFamily="18" charset="0"/>
                       </a:rPr>
-                      <m:t>=−24.</m:t>
-                    </m:r>
-                    <m:r>
-                      <a:rPr lang="en-US" sz="2000" b="0" i="1" smtClean="0">
-                        <a:solidFill>
-                          <a:srgbClr val="404040"/>
-                        </a:solidFill>
-                        <a:latin typeface="Cambria Math" panose="02040503050406030204" pitchFamily="18" charset="0"/>
-                      </a:rPr>
-                      <m:t>6</m:t>
+                      <m:t>=−24.6</m:t>
                     </m:r>
                     <m:sSup>
                       <m:sSupPr>
@@ -7849,25 +7836,7 @@
                         </a:solidFill>
                         <a:latin typeface="Cambria Math" panose="02040503050406030204" pitchFamily="18" charset="0"/>
                       </a:rPr>
-                      <m:t>+16</m:t>
-                    </m:r>
-                    <m:r>
-                      <a:rPr lang="en-US" sz="2000" b="0" i="1" smtClean="0">
-                        <a:solidFill>
-                          <a:srgbClr val="404040"/>
-                        </a:solidFill>
-                        <a:latin typeface="Cambria Math" panose="02040503050406030204" pitchFamily="18" charset="0"/>
-                      </a:rPr>
-                      <m:t>9</m:t>
-                    </m:r>
-                    <m:r>
-                      <a:rPr lang="en-US" sz="2000" b="0" i="1" smtClean="0">
-                        <a:solidFill>
-                          <a:srgbClr val="404040"/>
-                        </a:solidFill>
-                        <a:latin typeface="Cambria Math" panose="02040503050406030204" pitchFamily="18" charset="0"/>
-                      </a:rPr>
-                      <m:t>6.8</m:t>
+                      <m:t>+1696.8</m:t>
                     </m:r>
                     <m:r>
                       <a:rPr lang="en-US" sz="2000" b="0" i="1" smtClean="0">
@@ -7896,7 +7865,6 @@
                 </a:endParaRPr>
               </a:p>
               <a:p>
-                <a:pPr/>
                 <a:endParaRPr lang="en-US" sz="2000" dirty="0">
                   <a:solidFill>
                     <a:srgbClr val="404040"/>
@@ -7904,7 +7872,6 @@
                 </a:endParaRPr>
               </a:p>
               <a:p>
-                <a:pPr/>
                 <a:r>
                   <a:rPr lang="en-US" sz="2000" dirty="0">
                     <a:solidFill>
@@ -7951,7 +7918,6 @@
                 </a:endParaRPr>
               </a:p>
               <a:p>
-                <a:pPr/>
                 <a:endParaRPr lang="en-US" sz="2000" dirty="0">
                   <a:solidFill>
                     <a:srgbClr val="404040"/>
@@ -7961,7 +7927,7 @@
             </p:txBody>
           </p:sp>
         </mc:Choice>
-        <mc:Fallback>
+        <mc:Fallback xmlns="">
           <p:sp>
             <p:nvSpPr>
               <p:cNvPr id="23" name="TextBox 22">
@@ -9223,8 +9189,8 @@
           </a:prstGeom>
         </p:spPr>
       </p:pic>
-      <mc:AlternateContent xmlns:mc="http://schemas.openxmlformats.org/markup-compatibility/2006">
-        <mc:Choice xmlns:a14="http://schemas.microsoft.com/office/drawing/2010/main" Requires="a14">
+      <mc:AlternateContent xmlns:mc="http://schemas.openxmlformats.org/markup-compatibility/2006" xmlns:a14="http://schemas.microsoft.com/office/drawing/2010/main">
+        <mc:Choice Requires="a14">
           <p:sp>
             <p:nvSpPr>
               <p:cNvPr id="23" name="TextBox 22">
@@ -9253,7 +9219,6 @@
               </a:bodyPr>
               <a:lstStyle/>
               <a:p>
-                <a:pPr/>
                 <a:r>
                   <a:rPr lang="en-US" sz="2000" b="0" dirty="0">
                     <a:solidFill>
@@ -9280,16 +9245,7 @@
                         </a:solidFill>
                         <a:latin typeface="Cambria Math" panose="02040503050406030204" pitchFamily="18" charset="0"/>
                       </a:rPr>
-                      <m:t>=−24.</m:t>
-                    </m:r>
-                    <m:r>
-                      <a:rPr lang="en-US" sz="2000" b="0" i="1" smtClean="0">
-                        <a:solidFill>
-                          <a:srgbClr val="404040"/>
-                        </a:solidFill>
-                        <a:latin typeface="Cambria Math" panose="02040503050406030204" pitchFamily="18" charset="0"/>
-                      </a:rPr>
-                      <m:t>6</m:t>
+                      <m:t>=−24.6</m:t>
                     </m:r>
                     <m:sSup>
                       <m:sSupPr>
@@ -9332,25 +9288,7 @@
                         </a:solidFill>
                         <a:latin typeface="Cambria Math" panose="02040503050406030204" pitchFamily="18" charset="0"/>
                       </a:rPr>
-                      <m:t>+16</m:t>
-                    </m:r>
-                    <m:r>
-                      <a:rPr lang="en-US" sz="2000" b="0" i="1" smtClean="0">
-                        <a:solidFill>
-                          <a:srgbClr val="404040"/>
-                        </a:solidFill>
-                        <a:latin typeface="Cambria Math" panose="02040503050406030204" pitchFamily="18" charset="0"/>
-                      </a:rPr>
-                      <m:t>9</m:t>
-                    </m:r>
-                    <m:r>
-                      <a:rPr lang="en-US" sz="2000" b="0" i="1" smtClean="0">
-                        <a:solidFill>
-                          <a:srgbClr val="404040"/>
-                        </a:solidFill>
-                        <a:latin typeface="Cambria Math" panose="02040503050406030204" pitchFamily="18" charset="0"/>
-                      </a:rPr>
-                      <m:t>6.8</m:t>
+                      <m:t>+1696.8</m:t>
                     </m:r>
                     <m:r>
                       <a:rPr lang="en-US" sz="2000" b="0" i="1" smtClean="0">
@@ -9379,7 +9317,6 @@
                 </a:endParaRPr>
               </a:p>
               <a:p>
-                <a:pPr/>
                 <a:endParaRPr lang="en-US" sz="2000" dirty="0">
                   <a:solidFill>
                     <a:srgbClr val="404040"/>
@@ -9387,7 +9324,6 @@
                 </a:endParaRPr>
               </a:p>
               <a:p>
-                <a:pPr/>
                 <a:r>
                   <a:rPr lang="en-US" sz="2000" dirty="0">
                     <a:solidFill>
@@ -9434,7 +9370,6 @@
                 </a:endParaRPr>
               </a:p>
               <a:p>
-                <a:pPr/>
                 <a:endParaRPr lang="en-US" sz="2000" dirty="0">
                   <a:solidFill>
                     <a:srgbClr val="404040"/>
@@ -9444,7 +9379,7 @@
             </p:txBody>
           </p:sp>
         </mc:Choice>
-        <mc:Fallback>
+        <mc:Fallback xmlns="">
           <p:sp>
             <p:nvSpPr>
               <p:cNvPr id="23" name="TextBox 22">
@@ -9546,3763 +9481,6 @@
 </file>
 
 <file path=ppt/slides/slide13.xml><?xml version="1.0" encoding="utf-8"?>
-<p:sld xmlns:a="http://schemas.openxmlformats.org/drawingml/2006/main" xmlns:r="http://schemas.openxmlformats.org/officeDocument/2006/relationships" xmlns:p="http://schemas.openxmlformats.org/presentationml/2006/main">
-  <p:cSld>
-    <p:spTree>
-      <p:nvGrpSpPr>
-        <p:cNvPr id="1" name=""/>
-        <p:cNvGrpSpPr/>
-        <p:nvPr/>
-      </p:nvGrpSpPr>
-      <p:grpSpPr>
-        <a:xfrm>
-          <a:off x="0" y="0"/>
-          <a:ext cx="0" cy="0"/>
-          <a:chOff x="0" y="0"/>
-          <a:chExt cx="0" cy="0"/>
-        </a:xfrm>
-      </p:grpSpPr>
-      <p:sp>
-        <p:nvSpPr>
-          <p:cNvPr id="36" name="TextBox 35">
-            <a:extLst>
-              <a:ext uri="{FF2B5EF4-FFF2-40B4-BE49-F238E27FC236}">
-                <a16:creationId xmlns:a16="http://schemas.microsoft.com/office/drawing/2014/main" id="{389720C5-6DCB-428D-8C4F-A02DEC239333}"/>
-              </a:ext>
-            </a:extLst>
-          </p:cNvPr>
-          <p:cNvSpPr txBox="1"/>
-          <p:nvPr/>
-        </p:nvSpPr>
-        <p:spPr>
-          <a:xfrm>
-            <a:off x="773935" y="1947592"/>
-            <a:ext cx="8859163" cy="4708981"/>
-          </a:xfrm>
-          <a:prstGeom prst="rect">
-            <a:avLst/>
-          </a:prstGeom>
-          <a:noFill/>
-        </p:spPr>
-        <p:txBody>
-          <a:bodyPr wrap="square" rtlCol="0">
-            <a:spAutoFit/>
-          </a:bodyPr>
-          <a:lstStyle/>
-          <a:p>
-            <a:pPr marL="285750" indent="-285750">
-              <a:buFont typeface="Arial" panose="020B0604020202020204" pitchFamily="34" charset="0"/>
-              <a:buChar char="•"/>
-            </a:pPr>
-            <a:r>
-              <a:rPr lang="en-US" sz="2000" dirty="0">
-                <a:solidFill>
-                  <a:srgbClr val="404040"/>
-                </a:solidFill>
-                <a:latin typeface="Corbel" panose="020B0503020204020204" pitchFamily="34" charset="0"/>
-              </a:rPr>
-              <a:t>Algorithms for solving nonlinear programming models can be very complex</a:t>
-            </a:r>
-          </a:p>
-          <a:p>
-            <a:pPr marL="285750" indent="-285750">
-              <a:buFont typeface="Arial" panose="020B0604020202020204" pitchFamily="34" charset="0"/>
-              <a:buChar char="•"/>
-            </a:pPr>
-            <a:endParaRPr lang="en-US" sz="2000" dirty="0">
-              <a:solidFill>
-                <a:srgbClr val="404040"/>
-              </a:solidFill>
-              <a:latin typeface="Corbel" panose="020B0503020204020204" pitchFamily="34" charset="0"/>
-            </a:endParaRPr>
-          </a:p>
-          <a:p>
-            <a:pPr marL="285750" indent="-285750">
-              <a:buFont typeface="Arial" panose="020B0604020202020204" pitchFamily="34" charset="0"/>
-              <a:buChar char="•"/>
-            </a:pPr>
-            <a:r>
-              <a:rPr lang="en-US" sz="2000" dirty="0">
-                <a:solidFill>
-                  <a:srgbClr val="404040"/>
-                </a:solidFill>
-                <a:latin typeface="Corbel" panose="020B0503020204020204" pitchFamily="34" charset="0"/>
-              </a:rPr>
-              <a:t>Most algorithms can only guarantee that they find a </a:t>
-            </a:r>
-            <a:r>
-              <a:rPr lang="en-US" sz="2000" dirty="0">
-                <a:solidFill>
-                  <a:srgbClr val="A71B86"/>
-                </a:solidFill>
-                <a:latin typeface="Corbel" panose="020B0503020204020204" pitchFamily="34" charset="0"/>
-              </a:rPr>
-              <a:t>local</a:t>
-            </a:r>
-            <a:r>
-              <a:rPr lang="en-US" sz="2000" dirty="0">
-                <a:solidFill>
-                  <a:srgbClr val="404040"/>
-                </a:solidFill>
-                <a:latin typeface="Corbel" panose="020B0503020204020204" pitchFamily="34" charset="0"/>
-              </a:rPr>
-              <a:t> optimizer rather than a </a:t>
-            </a:r>
-            <a:r>
-              <a:rPr lang="en-US" sz="2000" dirty="0">
-                <a:solidFill>
-                  <a:srgbClr val="A71B86"/>
-                </a:solidFill>
-                <a:latin typeface="Corbel" panose="020B0503020204020204" pitchFamily="34" charset="0"/>
-              </a:rPr>
-              <a:t>global</a:t>
-            </a:r>
-            <a:r>
-              <a:rPr lang="en-US" sz="2000" dirty="0">
-                <a:solidFill>
-                  <a:srgbClr val="404040"/>
-                </a:solidFill>
-                <a:latin typeface="Corbel" panose="020B0503020204020204" pitchFamily="34" charset="0"/>
-              </a:rPr>
-              <a:t> one</a:t>
-            </a:r>
-          </a:p>
-          <a:p>
-            <a:pPr marL="285750" indent="-285750">
-              <a:buFont typeface="Arial" panose="020B0604020202020204" pitchFamily="34" charset="0"/>
-              <a:buChar char="•"/>
-            </a:pPr>
-            <a:endParaRPr lang="en-US" sz="2000" dirty="0">
-              <a:solidFill>
-                <a:srgbClr val="404040"/>
-              </a:solidFill>
-              <a:latin typeface="Corbel" panose="020B0503020204020204" pitchFamily="34" charset="0"/>
-            </a:endParaRPr>
-          </a:p>
-          <a:p>
-            <a:pPr marL="285750" indent="-285750">
-              <a:buFont typeface="Arial" panose="020B0604020202020204" pitchFamily="34" charset="0"/>
-              <a:buChar char="•"/>
-            </a:pPr>
-            <a:r>
-              <a:rPr lang="en-US" sz="2000" dirty="0">
-                <a:solidFill>
-                  <a:srgbClr val="404040"/>
-                </a:solidFill>
-                <a:latin typeface="Corbel" panose="020B0503020204020204" pitchFamily="34" charset="0"/>
-              </a:rPr>
-              <a:t>Excel Solver uses an algorithm called </a:t>
-            </a:r>
-            <a:r>
-              <a:rPr lang="en-US" sz="2000" dirty="0">
-                <a:solidFill>
-                  <a:srgbClr val="A71B86"/>
-                </a:solidFill>
-                <a:latin typeface="Corbel" panose="020B0503020204020204" pitchFamily="34" charset="0"/>
-              </a:rPr>
-              <a:t>Generalized Reduced Gradient (GRG) </a:t>
-            </a:r>
-            <a:r>
-              <a:rPr lang="en-US" sz="2000" dirty="0">
-                <a:solidFill>
-                  <a:srgbClr val="404040"/>
-                </a:solidFill>
-                <a:latin typeface="Corbel" panose="020B0503020204020204" pitchFamily="34" charset="0"/>
-              </a:rPr>
-              <a:t>to solve nonlinear problems</a:t>
-            </a:r>
-          </a:p>
-          <a:p>
-            <a:pPr marL="285750" indent="-285750">
-              <a:buFont typeface="Arial" panose="020B0604020202020204" pitchFamily="34" charset="0"/>
-              <a:buChar char="•"/>
-            </a:pPr>
-            <a:endParaRPr lang="en-US" sz="2000" dirty="0">
-              <a:solidFill>
-                <a:srgbClr val="404040"/>
-              </a:solidFill>
-              <a:latin typeface="Corbel" panose="020B0503020204020204" pitchFamily="34" charset="0"/>
-            </a:endParaRPr>
-          </a:p>
-          <a:p>
-            <a:pPr marL="285750" indent="-285750">
-              <a:buFont typeface="Arial" panose="020B0604020202020204" pitchFamily="34" charset="0"/>
-              <a:buChar char="•"/>
-            </a:pPr>
-            <a:r>
-              <a:rPr lang="en-US" sz="2000" dirty="0">
-                <a:solidFill>
-                  <a:srgbClr val="404040"/>
-                </a:solidFill>
-                <a:latin typeface="Corbel" panose="020B0503020204020204" pitchFamily="34" charset="0"/>
-              </a:rPr>
-              <a:t>This algorithm is designed to find a local optimizer within a certain “tolerance” level, and it can sometimes get “stuck”</a:t>
-            </a:r>
-          </a:p>
-          <a:p>
-            <a:pPr marL="285750" indent="-285750">
-              <a:buFont typeface="Arial" panose="020B0604020202020204" pitchFamily="34" charset="0"/>
-              <a:buChar char="•"/>
-            </a:pPr>
-            <a:endParaRPr lang="en-US" sz="2000" dirty="0">
-              <a:solidFill>
-                <a:srgbClr val="404040"/>
-              </a:solidFill>
-              <a:latin typeface="Corbel" panose="020B0503020204020204" pitchFamily="34" charset="0"/>
-            </a:endParaRPr>
-          </a:p>
-          <a:p>
-            <a:pPr marL="285750" indent="-285750">
-              <a:buFont typeface="Arial" panose="020B0604020202020204" pitchFamily="34" charset="0"/>
-              <a:buChar char="•"/>
-            </a:pPr>
-            <a:r>
-              <a:rPr lang="en-US" sz="2000" dirty="0">
-                <a:solidFill>
-                  <a:srgbClr val="404040"/>
-                </a:solidFill>
-                <a:latin typeface="Corbel" panose="020B0503020204020204" pitchFamily="34" charset="0"/>
-              </a:rPr>
-              <a:t>In problems not guaranteed to have a unique interior optimal solution, it is a good idea to run the GRG algorithm starting at </a:t>
-            </a:r>
-            <a:r>
-              <a:rPr lang="en-US" sz="2000" dirty="0">
-                <a:solidFill>
-                  <a:srgbClr val="A71B86"/>
-                </a:solidFill>
-                <a:latin typeface="Corbel" panose="020B0503020204020204" pitchFamily="34" charset="0"/>
-              </a:rPr>
-              <a:t>several</a:t>
-            </a:r>
-            <a:r>
-              <a:rPr lang="en-US" sz="2000" dirty="0">
-                <a:solidFill>
-                  <a:srgbClr val="404040"/>
-                </a:solidFill>
-                <a:latin typeface="Corbel" panose="020B0503020204020204" pitchFamily="34" charset="0"/>
-              </a:rPr>
-              <a:t> initial points</a:t>
-            </a:r>
-          </a:p>
-          <a:p>
-            <a:pPr marL="285750" indent="-285750">
-              <a:buFont typeface="Arial" panose="020B0604020202020204" pitchFamily="34" charset="0"/>
-              <a:buChar char="•"/>
-            </a:pPr>
-            <a:endParaRPr lang="en-US" sz="2000" dirty="0">
-              <a:solidFill>
-                <a:srgbClr val="404040"/>
-              </a:solidFill>
-              <a:latin typeface="Corbel" panose="020B0503020204020204" pitchFamily="34" charset="0"/>
-            </a:endParaRPr>
-          </a:p>
-          <a:p>
-            <a:pPr marL="285750" indent="-285750">
-              <a:buFont typeface="Arial" panose="020B0604020202020204" pitchFamily="34" charset="0"/>
-              <a:buChar char="•"/>
-            </a:pPr>
-            <a:endParaRPr lang="en-US" sz="2000" dirty="0">
-              <a:solidFill>
-                <a:srgbClr val="404040"/>
-              </a:solidFill>
-              <a:latin typeface="Corbel" panose="020B0503020204020204" pitchFamily="34" charset="0"/>
-            </a:endParaRPr>
-          </a:p>
-        </p:txBody>
-      </p:sp>
-      <p:sp>
-        <p:nvSpPr>
-          <p:cNvPr id="28" name="Rectangle 27">
-            <a:extLst>
-              <a:ext uri="{FF2B5EF4-FFF2-40B4-BE49-F238E27FC236}">
-                <a16:creationId xmlns:a16="http://schemas.microsoft.com/office/drawing/2014/main" id="{1568D3DA-67F7-464C-95FF-D7D56F4038D6}"/>
-              </a:ext>
-            </a:extLst>
-          </p:cNvPr>
-          <p:cNvSpPr/>
-          <p:nvPr/>
-        </p:nvSpPr>
-        <p:spPr>
-          <a:xfrm rot="19800000">
-            <a:off x="-597297" y="674901"/>
-            <a:ext cx="4026751" cy="269178"/>
-          </a:xfrm>
-          <a:prstGeom prst="rect">
-            <a:avLst/>
-          </a:prstGeom>
-          <a:solidFill>
-            <a:srgbClr val="A71B86"/>
-          </a:solidFill>
-          <a:ln>
-            <a:noFill/>
-          </a:ln>
-        </p:spPr>
-        <p:style>
-          <a:lnRef idx="2">
-            <a:schemeClr val="accent1">
-              <a:shade val="50000"/>
-            </a:schemeClr>
-          </a:lnRef>
-          <a:fillRef idx="1">
-            <a:schemeClr val="accent1"/>
-          </a:fillRef>
-          <a:effectRef idx="0">
-            <a:schemeClr val="accent1"/>
-          </a:effectRef>
-          <a:fontRef idx="minor">
-            <a:schemeClr val="lt1"/>
-          </a:fontRef>
-        </p:style>
-        <p:txBody>
-          <a:bodyPr rtlCol="0" anchor="ctr"/>
-          <a:lstStyle/>
-          <a:p>
-            <a:pPr algn="ctr"/>
-            <a:endParaRPr lang="en-US"/>
-          </a:p>
-        </p:txBody>
-      </p:sp>
-      <p:pic>
-        <p:nvPicPr>
-          <p:cNvPr id="11" name="Picture 10" descr="A large body of water&#10;&#10;Description automatically generated">
-            <a:extLst>
-              <a:ext uri="{FF2B5EF4-FFF2-40B4-BE49-F238E27FC236}">
-                <a16:creationId xmlns:a16="http://schemas.microsoft.com/office/drawing/2014/main" id="{B83B0471-BE25-41B4-B185-53BEB6528B89}"/>
-              </a:ext>
-            </a:extLst>
-          </p:cNvPr>
-          <p:cNvPicPr>
-            <a:picLocks noChangeAspect="1"/>
-          </p:cNvPicPr>
-          <p:nvPr/>
-        </p:nvPicPr>
-        <p:blipFill rotWithShape="1">
-          <a:blip r:embed="rId2">
-            <a:alphaModFix amt="20000"/>
-            <a:extLst>
-              <a:ext uri="{28A0092B-C50C-407E-A947-70E740481C1C}">
-                <a14:useLocalDpi xmlns:a14="http://schemas.microsoft.com/office/drawing/2010/main" val="0"/>
-              </a:ext>
-            </a:extLst>
-          </a:blip>
-          <a:srcRect t="34654" b="43573"/>
-          <a:stretch/>
-        </p:blipFill>
-        <p:spPr>
-          <a:xfrm>
-            <a:off x="773935" y="442465"/>
-            <a:ext cx="9018070" cy="1308226"/>
-          </a:xfrm>
-          <a:prstGeom prst="rect">
-            <a:avLst/>
-          </a:prstGeom>
-        </p:spPr>
-      </p:pic>
-      <p:sp>
-        <p:nvSpPr>
-          <p:cNvPr id="34" name="Rectangle 33">
-            <a:extLst>
-              <a:ext uri="{FF2B5EF4-FFF2-40B4-BE49-F238E27FC236}">
-                <a16:creationId xmlns:a16="http://schemas.microsoft.com/office/drawing/2014/main" id="{BFE7775A-1FAD-4E84-8B9E-DA4B39640B5E}"/>
-              </a:ext>
-            </a:extLst>
-          </p:cNvPr>
-          <p:cNvSpPr/>
-          <p:nvPr/>
-        </p:nvSpPr>
-        <p:spPr>
-          <a:xfrm rot="19800000">
-            <a:off x="9089102" y="5937184"/>
-            <a:ext cx="4026751" cy="269178"/>
-          </a:xfrm>
-          <a:prstGeom prst="rect">
-            <a:avLst/>
-          </a:prstGeom>
-          <a:solidFill>
-            <a:srgbClr val="A71B86"/>
-          </a:solidFill>
-          <a:ln>
-            <a:noFill/>
-          </a:ln>
-        </p:spPr>
-        <p:style>
-          <a:lnRef idx="2">
-            <a:schemeClr val="accent1">
-              <a:shade val="50000"/>
-            </a:schemeClr>
-          </a:lnRef>
-          <a:fillRef idx="1">
-            <a:schemeClr val="accent1"/>
-          </a:fillRef>
-          <a:effectRef idx="0">
-            <a:schemeClr val="accent1"/>
-          </a:effectRef>
-          <a:fontRef idx="minor">
-            <a:schemeClr val="lt1"/>
-          </a:fontRef>
-        </p:style>
-        <p:txBody>
-          <a:bodyPr rtlCol="0" anchor="ctr"/>
-          <a:lstStyle/>
-          <a:p>
-            <a:pPr algn="ctr"/>
-            <a:endParaRPr lang="en-US"/>
-          </a:p>
-        </p:txBody>
-      </p:sp>
-      <p:sp>
-        <p:nvSpPr>
-          <p:cNvPr id="2" name="Title 1">
-            <a:extLst>
-              <a:ext uri="{FF2B5EF4-FFF2-40B4-BE49-F238E27FC236}">
-                <a16:creationId xmlns:a16="http://schemas.microsoft.com/office/drawing/2014/main" id="{95D79E09-6E77-4F87-B358-F18D99FA343D}"/>
-              </a:ext>
-            </a:extLst>
-          </p:cNvPr>
-          <p:cNvSpPr>
-            <a:spLocks noGrp="1"/>
-          </p:cNvSpPr>
-          <p:nvPr>
-            <p:ph type="title"/>
-          </p:nvPr>
-        </p:nvSpPr>
-        <p:spPr>
-          <a:xfrm>
-            <a:off x="773934" y="425128"/>
-            <a:ext cx="9018070" cy="1325563"/>
-          </a:xfrm>
-          <a:noFill/>
-          <a:ln w="76200">
-            <a:solidFill>
-              <a:srgbClr val="11B29F"/>
-            </a:solidFill>
-          </a:ln>
-        </p:spPr>
-        <p:txBody>
-          <a:bodyPr/>
-          <a:lstStyle/>
-          <a:p>
-            <a:pPr algn="ctr"/>
-            <a:r>
-              <a:rPr lang="en-US" dirty="0">
-                <a:solidFill>
-                  <a:srgbClr val="404040"/>
-                </a:solidFill>
-                <a:latin typeface="Bodoni MT" panose="02070603080606020203" pitchFamily="18" charset="0"/>
-              </a:rPr>
-              <a:t>Solving in Excel</a:t>
-            </a:r>
-          </a:p>
-        </p:txBody>
-      </p:sp>
-      <p:pic>
-        <p:nvPicPr>
-          <p:cNvPr id="5" name="Content Placeholder 4" descr="A picture containing cage&#10;&#10;Description automatically generated">
-            <a:extLst>
-              <a:ext uri="{FF2B5EF4-FFF2-40B4-BE49-F238E27FC236}">
-                <a16:creationId xmlns:a16="http://schemas.microsoft.com/office/drawing/2014/main" id="{EF817497-4F98-4236-83EE-74FD8376B077}"/>
-              </a:ext>
-            </a:extLst>
-          </p:cNvPr>
-          <p:cNvPicPr>
-            <a:picLocks noGrp="1" noChangeAspect="1"/>
-          </p:cNvPicPr>
-          <p:nvPr>
-            <p:ph idx="1"/>
-          </p:nvPr>
-        </p:nvPicPr>
-        <p:blipFill>
-          <a:blip r:embed="rId3">
-            <a:extLst>
-              <a:ext uri="{28A0092B-C50C-407E-A947-70E740481C1C}">
-                <a14:useLocalDpi xmlns:a14="http://schemas.microsoft.com/office/drawing/2010/main" val="0"/>
-              </a:ext>
-            </a:extLst>
-          </a:blip>
-          <a:stretch>
-            <a:fillRect/>
-          </a:stretch>
-        </p:blipFill>
-        <p:spPr>
-          <a:xfrm>
-            <a:off x="9887140" y="47697"/>
-            <a:ext cx="2143125" cy="2143125"/>
-          </a:xfrm>
-        </p:spPr>
-      </p:pic>
-      <p:sp>
-        <p:nvSpPr>
-          <p:cNvPr id="17" name="Rectangle 16">
-            <a:extLst>
-              <a:ext uri="{FF2B5EF4-FFF2-40B4-BE49-F238E27FC236}">
-                <a16:creationId xmlns:a16="http://schemas.microsoft.com/office/drawing/2014/main" id="{C723ED3C-F5E6-4121-9EF2-DD9574E1A49F}"/>
-              </a:ext>
-            </a:extLst>
-          </p:cNvPr>
-          <p:cNvSpPr/>
-          <p:nvPr/>
-        </p:nvSpPr>
-        <p:spPr>
-          <a:xfrm>
-            <a:off x="10085294" y="2008116"/>
-            <a:ext cx="1776920" cy="76178"/>
-          </a:xfrm>
-          <a:prstGeom prst="rect">
-            <a:avLst/>
-          </a:prstGeom>
-          <a:solidFill>
-            <a:srgbClr val="11B29F"/>
-          </a:solidFill>
-          <a:ln>
-            <a:noFill/>
-          </a:ln>
-        </p:spPr>
-        <p:style>
-          <a:lnRef idx="2">
-            <a:schemeClr val="accent1">
-              <a:shade val="50000"/>
-            </a:schemeClr>
-          </a:lnRef>
-          <a:fillRef idx="1">
-            <a:schemeClr val="accent1"/>
-          </a:fillRef>
-          <a:effectRef idx="0">
-            <a:schemeClr val="accent1"/>
-          </a:effectRef>
-          <a:fontRef idx="minor">
-            <a:schemeClr val="lt1"/>
-          </a:fontRef>
-        </p:style>
-        <p:txBody>
-          <a:bodyPr rtlCol="0" anchor="ctr"/>
-          <a:lstStyle/>
-          <a:p>
-            <a:pPr algn="ctr"/>
-            <a:endParaRPr lang="en-US"/>
-          </a:p>
-        </p:txBody>
-      </p:sp>
-      <p:sp>
-        <p:nvSpPr>
-          <p:cNvPr id="21" name="Rectangle 20">
-            <a:extLst>
-              <a:ext uri="{FF2B5EF4-FFF2-40B4-BE49-F238E27FC236}">
-                <a16:creationId xmlns:a16="http://schemas.microsoft.com/office/drawing/2014/main" id="{F9E0EC60-66D4-4536-A867-30142339BAA7}"/>
-              </a:ext>
-            </a:extLst>
-          </p:cNvPr>
-          <p:cNvSpPr/>
-          <p:nvPr/>
-        </p:nvSpPr>
-        <p:spPr>
-          <a:xfrm>
-            <a:off x="10085294" y="2129819"/>
-            <a:ext cx="1776920" cy="76178"/>
-          </a:xfrm>
-          <a:prstGeom prst="rect">
-            <a:avLst/>
-          </a:prstGeom>
-          <a:solidFill>
-            <a:srgbClr val="A71B86"/>
-          </a:solidFill>
-          <a:ln>
-            <a:noFill/>
-          </a:ln>
-        </p:spPr>
-        <p:style>
-          <a:lnRef idx="2">
-            <a:schemeClr val="accent1">
-              <a:shade val="50000"/>
-            </a:schemeClr>
-          </a:lnRef>
-          <a:fillRef idx="1">
-            <a:schemeClr val="accent1"/>
-          </a:fillRef>
-          <a:effectRef idx="0">
-            <a:schemeClr val="accent1"/>
-          </a:effectRef>
-          <a:fontRef idx="minor">
-            <a:schemeClr val="lt1"/>
-          </a:fontRef>
-        </p:style>
-        <p:txBody>
-          <a:bodyPr rtlCol="0" anchor="ctr"/>
-          <a:lstStyle/>
-          <a:p>
-            <a:pPr algn="ctr"/>
-            <a:endParaRPr lang="en-US"/>
-          </a:p>
-        </p:txBody>
-      </p:sp>
-      <p:sp>
-        <p:nvSpPr>
-          <p:cNvPr id="22" name="Rectangle 21">
-            <a:extLst>
-              <a:ext uri="{FF2B5EF4-FFF2-40B4-BE49-F238E27FC236}">
-                <a16:creationId xmlns:a16="http://schemas.microsoft.com/office/drawing/2014/main" id="{F95AED49-24A8-4D10-9D31-F944565EC1B2}"/>
-              </a:ext>
-            </a:extLst>
-          </p:cNvPr>
-          <p:cNvSpPr/>
-          <p:nvPr/>
-        </p:nvSpPr>
-        <p:spPr>
-          <a:xfrm>
-            <a:off x="10085294" y="2251522"/>
-            <a:ext cx="1776920" cy="150200"/>
-          </a:xfrm>
-          <a:prstGeom prst="rect">
-            <a:avLst/>
-          </a:prstGeom>
-          <a:solidFill>
-            <a:srgbClr val="11B29F"/>
-          </a:solidFill>
-          <a:ln>
-            <a:noFill/>
-          </a:ln>
-        </p:spPr>
-        <p:style>
-          <a:lnRef idx="2">
-            <a:schemeClr val="accent1">
-              <a:shade val="50000"/>
-            </a:schemeClr>
-          </a:lnRef>
-          <a:fillRef idx="1">
-            <a:schemeClr val="accent1"/>
-          </a:fillRef>
-          <a:effectRef idx="0">
-            <a:schemeClr val="accent1"/>
-          </a:effectRef>
-          <a:fontRef idx="minor">
-            <a:schemeClr val="lt1"/>
-          </a:fontRef>
-        </p:style>
-        <p:txBody>
-          <a:bodyPr rtlCol="0" anchor="ctr"/>
-          <a:lstStyle/>
-          <a:p>
-            <a:pPr algn="ctr"/>
-            <a:endParaRPr lang="en-US"/>
-          </a:p>
-        </p:txBody>
-      </p:sp>
-      <p:sp>
-        <p:nvSpPr>
-          <p:cNvPr id="24" name="Rectangle 23">
-            <a:extLst>
-              <a:ext uri="{FF2B5EF4-FFF2-40B4-BE49-F238E27FC236}">
-                <a16:creationId xmlns:a16="http://schemas.microsoft.com/office/drawing/2014/main" id="{993D5826-407C-4F65-BE3A-EB593B942A36}"/>
-              </a:ext>
-            </a:extLst>
-          </p:cNvPr>
-          <p:cNvSpPr/>
-          <p:nvPr/>
-        </p:nvSpPr>
-        <p:spPr>
-          <a:xfrm>
-            <a:off x="10085294" y="2447247"/>
-            <a:ext cx="1776920" cy="150200"/>
-          </a:xfrm>
-          <a:prstGeom prst="rect">
-            <a:avLst/>
-          </a:prstGeom>
-          <a:solidFill>
-            <a:srgbClr val="A71B86"/>
-          </a:solidFill>
-          <a:ln>
-            <a:noFill/>
-          </a:ln>
-        </p:spPr>
-        <p:style>
-          <a:lnRef idx="2">
-            <a:schemeClr val="accent1">
-              <a:shade val="50000"/>
-            </a:schemeClr>
-          </a:lnRef>
-          <a:fillRef idx="1">
-            <a:schemeClr val="accent1"/>
-          </a:fillRef>
-          <a:effectRef idx="0">
-            <a:schemeClr val="accent1"/>
-          </a:effectRef>
-          <a:fontRef idx="minor">
-            <a:schemeClr val="lt1"/>
-          </a:fontRef>
-        </p:style>
-        <p:txBody>
-          <a:bodyPr rtlCol="0" anchor="ctr"/>
-          <a:lstStyle/>
-          <a:p>
-            <a:pPr algn="ctr"/>
-            <a:endParaRPr lang="en-US"/>
-          </a:p>
-        </p:txBody>
-      </p:sp>
-      <p:sp>
-        <p:nvSpPr>
-          <p:cNvPr id="25" name="Rectangle 24">
-            <a:extLst>
-              <a:ext uri="{FF2B5EF4-FFF2-40B4-BE49-F238E27FC236}">
-                <a16:creationId xmlns:a16="http://schemas.microsoft.com/office/drawing/2014/main" id="{D2785A94-4D0B-4559-9303-3C963AA0EF9A}"/>
-              </a:ext>
-            </a:extLst>
-          </p:cNvPr>
-          <p:cNvSpPr/>
-          <p:nvPr/>
-        </p:nvSpPr>
-        <p:spPr>
-          <a:xfrm>
-            <a:off x="10085294" y="2642972"/>
-            <a:ext cx="1776920" cy="362446"/>
-          </a:xfrm>
-          <a:prstGeom prst="rect">
-            <a:avLst/>
-          </a:prstGeom>
-          <a:solidFill>
-            <a:srgbClr val="11B29F"/>
-          </a:solidFill>
-          <a:ln>
-            <a:noFill/>
-          </a:ln>
-        </p:spPr>
-        <p:style>
-          <a:lnRef idx="2">
-            <a:schemeClr val="accent1">
-              <a:shade val="50000"/>
-            </a:schemeClr>
-          </a:lnRef>
-          <a:fillRef idx="1">
-            <a:schemeClr val="accent1"/>
-          </a:fillRef>
-          <a:effectRef idx="0">
-            <a:schemeClr val="accent1"/>
-          </a:effectRef>
-          <a:fontRef idx="minor">
-            <a:schemeClr val="lt1"/>
-          </a:fontRef>
-        </p:style>
-        <p:txBody>
-          <a:bodyPr rtlCol="0" anchor="ctr"/>
-          <a:lstStyle/>
-          <a:p>
-            <a:pPr algn="ctr"/>
-            <a:endParaRPr lang="en-US"/>
-          </a:p>
-        </p:txBody>
-      </p:sp>
-      <p:sp>
-        <p:nvSpPr>
-          <p:cNvPr id="26" name="Rectangle 25">
-            <a:extLst>
-              <a:ext uri="{FF2B5EF4-FFF2-40B4-BE49-F238E27FC236}">
-                <a16:creationId xmlns:a16="http://schemas.microsoft.com/office/drawing/2014/main" id="{B235F2E9-4558-433D-9527-7EFF5C5E78A8}"/>
-              </a:ext>
-            </a:extLst>
-          </p:cNvPr>
-          <p:cNvSpPr/>
-          <p:nvPr/>
-        </p:nvSpPr>
-        <p:spPr>
-          <a:xfrm>
-            <a:off x="10085294" y="3050943"/>
-            <a:ext cx="1776920" cy="362446"/>
-          </a:xfrm>
-          <a:prstGeom prst="rect">
-            <a:avLst/>
-          </a:prstGeom>
-          <a:solidFill>
-            <a:srgbClr val="A71B86"/>
-          </a:solidFill>
-          <a:ln>
-            <a:noFill/>
-          </a:ln>
-        </p:spPr>
-        <p:style>
-          <a:lnRef idx="2">
-            <a:schemeClr val="accent1">
-              <a:shade val="50000"/>
-            </a:schemeClr>
-          </a:lnRef>
-          <a:fillRef idx="1">
-            <a:schemeClr val="accent1"/>
-          </a:fillRef>
-          <a:effectRef idx="0">
-            <a:schemeClr val="accent1"/>
-          </a:effectRef>
-          <a:fontRef idx="minor">
-            <a:schemeClr val="lt1"/>
-          </a:fontRef>
-        </p:style>
-        <p:txBody>
-          <a:bodyPr rtlCol="0" anchor="ctr"/>
-          <a:lstStyle/>
-          <a:p>
-            <a:pPr algn="ctr"/>
-            <a:endParaRPr lang="en-US"/>
-          </a:p>
-        </p:txBody>
-      </p:sp>
-      <p:sp>
-        <p:nvSpPr>
-          <p:cNvPr id="27" name="Rectangle 26">
-            <a:extLst>
-              <a:ext uri="{FF2B5EF4-FFF2-40B4-BE49-F238E27FC236}">
-                <a16:creationId xmlns:a16="http://schemas.microsoft.com/office/drawing/2014/main" id="{99613B87-411B-4008-BF30-F1A3B8F247B5}"/>
-              </a:ext>
-            </a:extLst>
-          </p:cNvPr>
-          <p:cNvSpPr/>
-          <p:nvPr/>
-        </p:nvSpPr>
-        <p:spPr>
-          <a:xfrm>
-            <a:off x="10085294" y="3490136"/>
-            <a:ext cx="1776920" cy="3367864"/>
-          </a:xfrm>
-          <a:prstGeom prst="rect">
-            <a:avLst/>
-          </a:prstGeom>
-          <a:solidFill>
-            <a:srgbClr val="11B29F"/>
-          </a:solidFill>
-          <a:ln>
-            <a:noFill/>
-          </a:ln>
-        </p:spPr>
-        <p:style>
-          <a:lnRef idx="2">
-            <a:schemeClr val="accent1">
-              <a:shade val="50000"/>
-            </a:schemeClr>
-          </a:lnRef>
-          <a:fillRef idx="1">
-            <a:schemeClr val="accent1"/>
-          </a:fillRef>
-          <a:effectRef idx="0">
-            <a:schemeClr val="accent1"/>
-          </a:effectRef>
-          <a:fontRef idx="minor">
-            <a:schemeClr val="lt1"/>
-          </a:fontRef>
-        </p:style>
-        <p:txBody>
-          <a:bodyPr rtlCol="0" anchor="ctr"/>
-          <a:lstStyle/>
-          <a:p>
-            <a:pPr algn="ctr"/>
-            <a:endParaRPr lang="en-US"/>
-          </a:p>
-        </p:txBody>
-      </p:sp>
-      <p:sp>
-        <p:nvSpPr>
-          <p:cNvPr id="32" name="Rectangle 31">
-            <a:extLst>
-              <a:ext uri="{FF2B5EF4-FFF2-40B4-BE49-F238E27FC236}">
-                <a16:creationId xmlns:a16="http://schemas.microsoft.com/office/drawing/2014/main" id="{145B3BD2-B1C1-4ED2-A4E0-5E17DD3736F1}"/>
-              </a:ext>
-            </a:extLst>
-          </p:cNvPr>
-          <p:cNvSpPr/>
-          <p:nvPr/>
-        </p:nvSpPr>
-        <p:spPr>
-          <a:xfrm rot="19800000">
-            <a:off x="-765351" y="385789"/>
-            <a:ext cx="4026751" cy="269178"/>
-          </a:xfrm>
-          <a:prstGeom prst="rect">
-            <a:avLst/>
-          </a:prstGeom>
-          <a:solidFill>
-            <a:srgbClr val="A71B86"/>
-          </a:solidFill>
-          <a:ln>
-            <a:noFill/>
-          </a:ln>
-        </p:spPr>
-        <p:style>
-          <a:lnRef idx="2">
-            <a:schemeClr val="accent1">
-              <a:shade val="50000"/>
-            </a:schemeClr>
-          </a:lnRef>
-          <a:fillRef idx="1">
-            <a:schemeClr val="accent1"/>
-          </a:fillRef>
-          <a:effectRef idx="0">
-            <a:schemeClr val="accent1"/>
-          </a:effectRef>
-          <a:fontRef idx="minor">
-            <a:schemeClr val="lt1"/>
-          </a:fontRef>
-        </p:style>
-        <p:txBody>
-          <a:bodyPr rtlCol="0" anchor="ctr"/>
-          <a:lstStyle/>
-          <a:p>
-            <a:pPr algn="ctr"/>
-            <a:endParaRPr lang="en-US"/>
-          </a:p>
-        </p:txBody>
-      </p:sp>
-      <p:sp>
-        <p:nvSpPr>
-          <p:cNvPr id="33" name="Rectangle 32">
-            <a:extLst>
-              <a:ext uri="{FF2B5EF4-FFF2-40B4-BE49-F238E27FC236}">
-                <a16:creationId xmlns:a16="http://schemas.microsoft.com/office/drawing/2014/main" id="{DC3B2826-65DD-408B-8F18-8CCD6C052D8D}"/>
-              </a:ext>
-            </a:extLst>
-          </p:cNvPr>
-          <p:cNvSpPr/>
-          <p:nvPr/>
-        </p:nvSpPr>
-        <p:spPr>
-          <a:xfrm rot="19800000">
-            <a:off x="9257156" y="6226296"/>
-            <a:ext cx="4026751" cy="269178"/>
-          </a:xfrm>
-          <a:prstGeom prst="rect">
-            <a:avLst/>
-          </a:prstGeom>
-          <a:solidFill>
-            <a:srgbClr val="A71B86"/>
-          </a:solidFill>
-          <a:ln>
-            <a:noFill/>
-          </a:ln>
-        </p:spPr>
-        <p:style>
-          <a:lnRef idx="2">
-            <a:schemeClr val="accent1">
-              <a:shade val="50000"/>
-            </a:schemeClr>
-          </a:lnRef>
-          <a:fillRef idx="1">
-            <a:schemeClr val="accent1"/>
-          </a:fillRef>
-          <a:effectRef idx="0">
-            <a:schemeClr val="accent1"/>
-          </a:effectRef>
-          <a:fontRef idx="minor">
-            <a:schemeClr val="lt1"/>
-          </a:fontRef>
-        </p:style>
-        <p:txBody>
-          <a:bodyPr rtlCol="0" anchor="ctr"/>
-          <a:lstStyle/>
-          <a:p>
-            <a:pPr algn="ctr"/>
-            <a:endParaRPr lang="en-US"/>
-          </a:p>
-        </p:txBody>
-      </p:sp>
-      <p:sp>
-        <p:nvSpPr>
-          <p:cNvPr id="35" name="Rectangle 34">
-            <a:extLst>
-              <a:ext uri="{FF2B5EF4-FFF2-40B4-BE49-F238E27FC236}">
-                <a16:creationId xmlns:a16="http://schemas.microsoft.com/office/drawing/2014/main" id="{4935F901-F632-4698-8C7A-AC29B2397A6C}"/>
-              </a:ext>
-            </a:extLst>
-          </p:cNvPr>
-          <p:cNvSpPr/>
-          <p:nvPr/>
-        </p:nvSpPr>
-        <p:spPr>
-          <a:xfrm rot="19800000">
-            <a:off x="8263809" y="5824178"/>
-            <a:ext cx="4731177" cy="269178"/>
-          </a:xfrm>
-          <a:prstGeom prst="rect">
-            <a:avLst/>
-          </a:prstGeom>
-          <a:solidFill>
-            <a:srgbClr val="A71B86"/>
-          </a:solidFill>
-          <a:ln>
-            <a:noFill/>
-          </a:ln>
-        </p:spPr>
-        <p:style>
-          <a:lnRef idx="2">
-            <a:schemeClr val="accent1">
-              <a:shade val="50000"/>
-            </a:schemeClr>
-          </a:lnRef>
-          <a:fillRef idx="1">
-            <a:schemeClr val="accent1"/>
-          </a:fillRef>
-          <a:effectRef idx="0">
-            <a:schemeClr val="accent1"/>
-          </a:effectRef>
-          <a:fontRef idx="minor">
-            <a:schemeClr val="lt1"/>
-          </a:fontRef>
-        </p:style>
-        <p:txBody>
-          <a:bodyPr rtlCol="0" anchor="ctr"/>
-          <a:lstStyle/>
-          <a:p>
-            <a:pPr algn="ctr"/>
-            <a:endParaRPr lang="en-US"/>
-          </a:p>
-        </p:txBody>
-      </p:sp>
-      <p:pic>
-        <p:nvPicPr>
-          <p:cNvPr id="37" name="Graphic 36" descr="Palm tree">
-            <a:extLst>
-              <a:ext uri="{FF2B5EF4-FFF2-40B4-BE49-F238E27FC236}">
-                <a16:creationId xmlns:a16="http://schemas.microsoft.com/office/drawing/2014/main" id="{79F2EC1B-9713-4CCF-8301-82ED265F3940}"/>
-              </a:ext>
-            </a:extLst>
-          </p:cNvPr>
-          <p:cNvPicPr>
-            <a:picLocks noChangeAspect="1"/>
-          </p:cNvPicPr>
-          <p:nvPr/>
-        </p:nvPicPr>
-        <p:blipFill>
-          <a:blip r:embed="rId4">
-            <a:extLst>
-              <a:ext uri="{28A0092B-C50C-407E-A947-70E740481C1C}">
-                <a14:useLocalDpi xmlns:a14="http://schemas.microsoft.com/office/drawing/2010/main" val="0"/>
-              </a:ext>
-              <a:ext uri="{96DAC541-7B7A-43D3-8B79-37D633B846F1}">
-                <asvg:svgBlip xmlns:asvg="http://schemas.microsoft.com/office/drawing/2016/SVG/main" r:embed="rId5"/>
-              </a:ext>
-            </a:extLst>
-          </a:blip>
-          <a:stretch>
-            <a:fillRect/>
-          </a:stretch>
-        </p:blipFill>
-        <p:spPr>
-          <a:xfrm>
-            <a:off x="8964994" y="809490"/>
-            <a:ext cx="914400" cy="914400"/>
-          </a:xfrm>
-          <a:prstGeom prst="rect">
-            <a:avLst/>
-          </a:prstGeom>
-        </p:spPr>
-      </p:pic>
-      <p:pic>
-        <p:nvPicPr>
-          <p:cNvPr id="38" name="Graphic 37" descr="Palm tree">
-            <a:extLst>
-              <a:ext uri="{FF2B5EF4-FFF2-40B4-BE49-F238E27FC236}">
-                <a16:creationId xmlns:a16="http://schemas.microsoft.com/office/drawing/2014/main" id="{11C9CA6F-B5F0-4837-8E50-85C201ADA4F1}"/>
-              </a:ext>
-            </a:extLst>
-          </p:cNvPr>
-          <p:cNvPicPr>
-            <a:picLocks noChangeAspect="1"/>
-          </p:cNvPicPr>
-          <p:nvPr/>
-        </p:nvPicPr>
-        <p:blipFill>
-          <a:blip r:embed="rId4">
-            <a:extLst>
-              <a:ext uri="{28A0092B-C50C-407E-A947-70E740481C1C}">
-                <a14:useLocalDpi xmlns:a14="http://schemas.microsoft.com/office/drawing/2010/main" val="0"/>
-              </a:ext>
-              <a:ext uri="{96DAC541-7B7A-43D3-8B79-37D633B846F1}">
-                <asvg:svgBlip xmlns:asvg="http://schemas.microsoft.com/office/drawing/2016/SVG/main" r:embed="rId5"/>
-              </a:ext>
-            </a:extLst>
-          </a:blip>
-          <a:stretch>
-            <a:fillRect/>
-          </a:stretch>
-        </p:blipFill>
-        <p:spPr>
-          <a:xfrm>
-            <a:off x="8834542" y="1142112"/>
-            <a:ext cx="553133" cy="553133"/>
-          </a:xfrm>
-          <a:prstGeom prst="rect">
-            <a:avLst/>
-          </a:prstGeom>
-        </p:spPr>
-      </p:pic>
-      <p:pic>
-        <p:nvPicPr>
-          <p:cNvPr id="39" name="Graphic 38" descr="Palm tree">
-            <a:extLst>
-              <a:ext uri="{FF2B5EF4-FFF2-40B4-BE49-F238E27FC236}">
-                <a16:creationId xmlns:a16="http://schemas.microsoft.com/office/drawing/2014/main" id="{585AC1AD-01C8-4E2D-8361-4BEA62A48584}"/>
-              </a:ext>
-            </a:extLst>
-          </p:cNvPr>
-          <p:cNvPicPr>
-            <a:picLocks noChangeAspect="1"/>
-          </p:cNvPicPr>
-          <p:nvPr/>
-        </p:nvPicPr>
-        <p:blipFill>
-          <a:blip r:embed="rId4">
-            <a:extLst>
-              <a:ext uri="{28A0092B-C50C-407E-A947-70E740481C1C}">
-                <a14:useLocalDpi xmlns:a14="http://schemas.microsoft.com/office/drawing/2010/main" val="0"/>
-              </a:ext>
-              <a:ext uri="{96DAC541-7B7A-43D3-8B79-37D633B846F1}">
-                <asvg:svgBlip xmlns:asvg="http://schemas.microsoft.com/office/drawing/2016/SVG/main" r:embed="rId5"/>
-              </a:ext>
-            </a:extLst>
-          </a:blip>
-          <a:stretch>
-            <a:fillRect/>
-          </a:stretch>
-        </p:blipFill>
-        <p:spPr>
-          <a:xfrm>
-            <a:off x="9387675" y="1277468"/>
-            <a:ext cx="404329" cy="404329"/>
-          </a:xfrm>
-          <a:prstGeom prst="rect">
-            <a:avLst/>
-          </a:prstGeom>
-        </p:spPr>
-      </p:pic>
-    </p:spTree>
-    <p:extLst>
-      <p:ext uri="{BB962C8B-B14F-4D97-AF65-F5344CB8AC3E}">
-        <p14:creationId xmlns:p14="http://schemas.microsoft.com/office/powerpoint/2010/main" val="518288825"/>
-      </p:ext>
-    </p:extLst>
-  </p:cSld>
-  <p:clrMapOvr>
-    <a:masterClrMapping/>
-  </p:clrMapOvr>
-</p:sld>
-</file>
-
-<file path=ppt/slides/slide14.xml><?xml version="1.0" encoding="utf-8"?>
-<p:sld xmlns:a="http://schemas.openxmlformats.org/drawingml/2006/main" xmlns:r="http://schemas.openxmlformats.org/officeDocument/2006/relationships" xmlns:p="http://schemas.openxmlformats.org/presentationml/2006/main">
-  <p:cSld>
-    <p:spTree>
-      <p:nvGrpSpPr>
-        <p:cNvPr id="1" name=""/>
-        <p:cNvGrpSpPr/>
-        <p:nvPr/>
-      </p:nvGrpSpPr>
-      <p:grpSpPr>
-        <a:xfrm>
-          <a:off x="0" y="0"/>
-          <a:ext cx="0" cy="0"/>
-          <a:chOff x="0" y="0"/>
-          <a:chExt cx="0" cy="0"/>
-        </a:xfrm>
-      </p:grpSpPr>
-      <p:sp>
-        <p:nvSpPr>
-          <p:cNvPr id="36" name="TextBox 35">
-            <a:extLst>
-              <a:ext uri="{FF2B5EF4-FFF2-40B4-BE49-F238E27FC236}">
-                <a16:creationId xmlns:a16="http://schemas.microsoft.com/office/drawing/2014/main" id="{389720C5-6DCB-428D-8C4F-A02DEC239333}"/>
-              </a:ext>
-            </a:extLst>
-          </p:cNvPr>
-          <p:cNvSpPr txBox="1"/>
-          <p:nvPr/>
-        </p:nvSpPr>
-        <p:spPr>
-          <a:xfrm>
-            <a:off x="773935" y="1947592"/>
-            <a:ext cx="8859163" cy="4093428"/>
-          </a:xfrm>
-          <a:prstGeom prst="rect">
-            <a:avLst/>
-          </a:prstGeom>
-          <a:noFill/>
-        </p:spPr>
-        <p:txBody>
-          <a:bodyPr wrap="square" rtlCol="0">
-            <a:spAutoFit/>
-          </a:bodyPr>
-          <a:lstStyle/>
-          <a:p>
-            <a:pPr marL="285750" indent="-285750">
-              <a:buFont typeface="Arial" panose="020B0604020202020204" pitchFamily="34" charset="0"/>
-              <a:buChar char="•"/>
-            </a:pPr>
-            <a:r>
-              <a:rPr lang="en-US" sz="2000" dirty="0">
-                <a:solidFill>
-                  <a:srgbClr val="404040"/>
-                </a:solidFill>
-                <a:latin typeface="Corbel" panose="020B0503020204020204" pitchFamily="34" charset="0"/>
-              </a:rPr>
-              <a:t>Download </a:t>
-            </a:r>
-            <a:r>
-              <a:rPr lang="en-US" sz="2000" dirty="0">
-                <a:solidFill>
-                  <a:srgbClr val="A71B86"/>
-                </a:solidFill>
-                <a:latin typeface="Corbel" panose="020B0503020204020204" pitchFamily="34" charset="0"/>
-              </a:rPr>
-              <a:t>NonlinearProfit.xlsx </a:t>
-            </a:r>
-            <a:r>
-              <a:rPr lang="en-US" sz="2000" dirty="0">
-                <a:solidFill>
-                  <a:srgbClr val="404040"/>
-                </a:solidFill>
-                <a:latin typeface="Corbel" panose="020B0503020204020204" pitchFamily="34" charset="0"/>
-              </a:rPr>
-              <a:t>from link </a:t>
-            </a:r>
-            <a:r>
-              <a:rPr lang="en-US" sz="2000" dirty="0">
-                <a:solidFill>
-                  <a:srgbClr val="A71B86"/>
-                </a:solidFill>
-                <a:latin typeface="Corbel" panose="020B0503020204020204" pitchFamily="34" charset="0"/>
-              </a:rPr>
-              <a:t>Sheet 1 </a:t>
-            </a:r>
-            <a:r>
-              <a:rPr lang="en-US" sz="2000" dirty="0">
-                <a:solidFill>
-                  <a:srgbClr val="404040"/>
-                </a:solidFill>
-                <a:latin typeface="Corbel" panose="020B0503020204020204" pitchFamily="34" charset="0"/>
-              </a:rPr>
-              <a:t>on course website</a:t>
-            </a:r>
-          </a:p>
-          <a:p>
-            <a:pPr marL="285750" indent="-285750">
-              <a:buFont typeface="Arial" panose="020B0604020202020204" pitchFamily="34" charset="0"/>
-              <a:buChar char="•"/>
-            </a:pPr>
-            <a:endParaRPr lang="en-US" sz="2000" dirty="0">
-              <a:solidFill>
-                <a:srgbClr val="404040"/>
-              </a:solidFill>
-              <a:latin typeface="Corbel" panose="020B0503020204020204" pitchFamily="34" charset="0"/>
-            </a:endParaRPr>
-          </a:p>
-          <a:p>
-            <a:pPr marL="285750" indent="-285750">
-              <a:buFont typeface="Arial" panose="020B0604020202020204" pitchFamily="34" charset="0"/>
-              <a:buChar char="•"/>
-            </a:pPr>
-            <a:r>
-              <a:rPr lang="en-US" sz="2000" dirty="0">
-                <a:solidFill>
-                  <a:srgbClr val="404040"/>
-                </a:solidFill>
-                <a:latin typeface="Corbel" panose="020B0503020204020204" pitchFamily="34" charset="0"/>
-              </a:rPr>
-              <a:t>Inspect the spreadsheet and Solver</a:t>
-            </a:r>
-          </a:p>
-          <a:p>
-            <a:pPr marL="285750" indent="-285750">
-              <a:buFont typeface="Arial" panose="020B0604020202020204" pitchFamily="34" charset="0"/>
-              <a:buChar char="•"/>
-            </a:pPr>
-            <a:endParaRPr lang="en-US" sz="2000" dirty="0">
-              <a:solidFill>
-                <a:srgbClr val="404040"/>
-              </a:solidFill>
-              <a:latin typeface="Corbel" panose="020B0503020204020204" pitchFamily="34" charset="0"/>
-            </a:endParaRPr>
-          </a:p>
-          <a:p>
-            <a:pPr marL="285750" indent="-285750">
-              <a:buFont typeface="Arial" panose="020B0604020202020204" pitchFamily="34" charset="0"/>
-              <a:buChar char="•"/>
-            </a:pPr>
-            <a:endParaRPr lang="en-US" sz="2000" dirty="0">
-              <a:solidFill>
-                <a:srgbClr val="404040"/>
-              </a:solidFill>
-              <a:latin typeface="Corbel" panose="020B0503020204020204" pitchFamily="34" charset="0"/>
-            </a:endParaRPr>
-          </a:p>
-          <a:p>
-            <a:pPr marL="285750" indent="-285750">
-              <a:buFont typeface="Arial" panose="020B0604020202020204" pitchFamily="34" charset="0"/>
-              <a:buChar char="•"/>
-            </a:pPr>
-            <a:endParaRPr lang="en-US" sz="2000" dirty="0">
-              <a:solidFill>
-                <a:srgbClr val="404040"/>
-              </a:solidFill>
-              <a:latin typeface="Corbel" panose="020B0503020204020204" pitchFamily="34" charset="0"/>
-            </a:endParaRPr>
-          </a:p>
-          <a:p>
-            <a:pPr marL="285750" indent="-285750">
-              <a:buFont typeface="Arial" panose="020B0604020202020204" pitchFamily="34" charset="0"/>
-              <a:buChar char="•"/>
-            </a:pPr>
-            <a:endParaRPr lang="en-US" sz="2000" dirty="0">
-              <a:solidFill>
-                <a:srgbClr val="404040"/>
-              </a:solidFill>
-              <a:latin typeface="Corbel" panose="020B0503020204020204" pitchFamily="34" charset="0"/>
-            </a:endParaRPr>
-          </a:p>
-          <a:p>
-            <a:pPr marL="285750" indent="-285750">
-              <a:buFont typeface="Arial" panose="020B0604020202020204" pitchFamily="34" charset="0"/>
-              <a:buChar char="•"/>
-            </a:pPr>
-            <a:endParaRPr lang="en-US" sz="2000" dirty="0">
-              <a:solidFill>
-                <a:srgbClr val="404040"/>
-              </a:solidFill>
-              <a:latin typeface="Corbel" panose="020B0503020204020204" pitchFamily="34" charset="0"/>
-            </a:endParaRPr>
-          </a:p>
-          <a:p>
-            <a:pPr marL="285750" indent="-285750">
-              <a:buFont typeface="Arial" panose="020B0604020202020204" pitchFamily="34" charset="0"/>
-              <a:buChar char="•"/>
-            </a:pPr>
-            <a:endParaRPr lang="en-US" sz="2000" dirty="0">
-              <a:solidFill>
-                <a:srgbClr val="404040"/>
-              </a:solidFill>
-              <a:latin typeface="Corbel" panose="020B0503020204020204" pitchFamily="34" charset="0"/>
-            </a:endParaRPr>
-          </a:p>
-          <a:p>
-            <a:pPr marL="285750" indent="-285750">
-              <a:buFont typeface="Arial" panose="020B0604020202020204" pitchFamily="34" charset="0"/>
-              <a:buChar char="•"/>
-            </a:pPr>
-            <a:endParaRPr lang="en-US" sz="2000" dirty="0">
-              <a:solidFill>
-                <a:srgbClr val="404040"/>
-              </a:solidFill>
-              <a:latin typeface="Corbel" panose="020B0503020204020204" pitchFamily="34" charset="0"/>
-            </a:endParaRPr>
-          </a:p>
-          <a:p>
-            <a:pPr marL="285750" indent="-285750">
-              <a:buFont typeface="Arial" panose="020B0604020202020204" pitchFamily="34" charset="0"/>
-              <a:buChar char="•"/>
-            </a:pPr>
-            <a:endParaRPr lang="en-US" sz="2000" dirty="0">
-              <a:solidFill>
-                <a:srgbClr val="404040"/>
-              </a:solidFill>
-              <a:latin typeface="Corbel" panose="020B0503020204020204" pitchFamily="34" charset="0"/>
-            </a:endParaRPr>
-          </a:p>
-          <a:p>
-            <a:pPr marL="285750" indent="-285750">
-              <a:buFont typeface="Arial" panose="020B0604020202020204" pitchFamily="34" charset="0"/>
-              <a:buChar char="•"/>
-            </a:pPr>
-            <a:endParaRPr lang="en-US" sz="2000" dirty="0">
-              <a:solidFill>
-                <a:srgbClr val="404040"/>
-              </a:solidFill>
-              <a:latin typeface="Corbel" panose="020B0503020204020204" pitchFamily="34" charset="0"/>
-            </a:endParaRPr>
-          </a:p>
-          <a:p>
-            <a:pPr marL="285750" indent="-285750">
-              <a:buFont typeface="Arial" panose="020B0604020202020204" pitchFamily="34" charset="0"/>
-              <a:buChar char="•"/>
-            </a:pPr>
-            <a:r>
-              <a:rPr lang="en-US" sz="2000" dirty="0">
-                <a:solidFill>
-                  <a:srgbClr val="404040"/>
-                </a:solidFill>
-                <a:latin typeface="Corbel" panose="020B0503020204020204" pitchFamily="34" charset="0"/>
-              </a:rPr>
-              <a:t>Solution is for price ceiling of $40</a:t>
-            </a:r>
-          </a:p>
-        </p:txBody>
-      </p:sp>
-      <p:sp>
-        <p:nvSpPr>
-          <p:cNvPr id="28" name="Rectangle 27">
-            <a:extLst>
-              <a:ext uri="{FF2B5EF4-FFF2-40B4-BE49-F238E27FC236}">
-                <a16:creationId xmlns:a16="http://schemas.microsoft.com/office/drawing/2014/main" id="{1568D3DA-67F7-464C-95FF-D7D56F4038D6}"/>
-              </a:ext>
-            </a:extLst>
-          </p:cNvPr>
-          <p:cNvSpPr/>
-          <p:nvPr/>
-        </p:nvSpPr>
-        <p:spPr>
-          <a:xfrm rot="19800000">
-            <a:off x="-597297" y="674901"/>
-            <a:ext cx="4026751" cy="269178"/>
-          </a:xfrm>
-          <a:prstGeom prst="rect">
-            <a:avLst/>
-          </a:prstGeom>
-          <a:solidFill>
-            <a:srgbClr val="A71B86"/>
-          </a:solidFill>
-          <a:ln>
-            <a:noFill/>
-          </a:ln>
-        </p:spPr>
-        <p:style>
-          <a:lnRef idx="2">
-            <a:schemeClr val="accent1">
-              <a:shade val="50000"/>
-            </a:schemeClr>
-          </a:lnRef>
-          <a:fillRef idx="1">
-            <a:schemeClr val="accent1"/>
-          </a:fillRef>
-          <a:effectRef idx="0">
-            <a:schemeClr val="accent1"/>
-          </a:effectRef>
-          <a:fontRef idx="minor">
-            <a:schemeClr val="lt1"/>
-          </a:fontRef>
-        </p:style>
-        <p:txBody>
-          <a:bodyPr rtlCol="0" anchor="ctr"/>
-          <a:lstStyle/>
-          <a:p>
-            <a:pPr algn="ctr"/>
-            <a:endParaRPr lang="en-US"/>
-          </a:p>
-        </p:txBody>
-      </p:sp>
-      <p:pic>
-        <p:nvPicPr>
-          <p:cNvPr id="11" name="Picture 10" descr="A large body of water&#10;&#10;Description automatically generated">
-            <a:extLst>
-              <a:ext uri="{FF2B5EF4-FFF2-40B4-BE49-F238E27FC236}">
-                <a16:creationId xmlns:a16="http://schemas.microsoft.com/office/drawing/2014/main" id="{B83B0471-BE25-41B4-B185-53BEB6528B89}"/>
-              </a:ext>
-            </a:extLst>
-          </p:cNvPr>
-          <p:cNvPicPr>
-            <a:picLocks noChangeAspect="1"/>
-          </p:cNvPicPr>
-          <p:nvPr/>
-        </p:nvPicPr>
-        <p:blipFill rotWithShape="1">
-          <a:blip r:embed="rId2">
-            <a:alphaModFix amt="20000"/>
-            <a:extLst>
-              <a:ext uri="{28A0092B-C50C-407E-A947-70E740481C1C}">
-                <a14:useLocalDpi xmlns:a14="http://schemas.microsoft.com/office/drawing/2010/main" val="0"/>
-              </a:ext>
-            </a:extLst>
-          </a:blip>
-          <a:srcRect t="34654" b="43573"/>
-          <a:stretch/>
-        </p:blipFill>
-        <p:spPr>
-          <a:xfrm>
-            <a:off x="773935" y="442465"/>
-            <a:ext cx="9018070" cy="1308226"/>
-          </a:xfrm>
-          <a:prstGeom prst="rect">
-            <a:avLst/>
-          </a:prstGeom>
-        </p:spPr>
-      </p:pic>
-      <p:sp>
-        <p:nvSpPr>
-          <p:cNvPr id="34" name="Rectangle 33">
-            <a:extLst>
-              <a:ext uri="{FF2B5EF4-FFF2-40B4-BE49-F238E27FC236}">
-                <a16:creationId xmlns:a16="http://schemas.microsoft.com/office/drawing/2014/main" id="{BFE7775A-1FAD-4E84-8B9E-DA4B39640B5E}"/>
-              </a:ext>
-            </a:extLst>
-          </p:cNvPr>
-          <p:cNvSpPr/>
-          <p:nvPr/>
-        </p:nvSpPr>
-        <p:spPr>
-          <a:xfrm rot="19800000">
-            <a:off x="9089102" y="5937184"/>
-            <a:ext cx="4026751" cy="269178"/>
-          </a:xfrm>
-          <a:prstGeom prst="rect">
-            <a:avLst/>
-          </a:prstGeom>
-          <a:solidFill>
-            <a:srgbClr val="A71B86"/>
-          </a:solidFill>
-          <a:ln>
-            <a:noFill/>
-          </a:ln>
-        </p:spPr>
-        <p:style>
-          <a:lnRef idx="2">
-            <a:schemeClr val="accent1">
-              <a:shade val="50000"/>
-            </a:schemeClr>
-          </a:lnRef>
-          <a:fillRef idx="1">
-            <a:schemeClr val="accent1"/>
-          </a:fillRef>
-          <a:effectRef idx="0">
-            <a:schemeClr val="accent1"/>
-          </a:effectRef>
-          <a:fontRef idx="minor">
-            <a:schemeClr val="lt1"/>
-          </a:fontRef>
-        </p:style>
-        <p:txBody>
-          <a:bodyPr rtlCol="0" anchor="ctr"/>
-          <a:lstStyle/>
-          <a:p>
-            <a:pPr algn="ctr"/>
-            <a:endParaRPr lang="en-US"/>
-          </a:p>
-        </p:txBody>
-      </p:sp>
-      <p:sp>
-        <p:nvSpPr>
-          <p:cNvPr id="2" name="Title 1">
-            <a:extLst>
-              <a:ext uri="{FF2B5EF4-FFF2-40B4-BE49-F238E27FC236}">
-                <a16:creationId xmlns:a16="http://schemas.microsoft.com/office/drawing/2014/main" id="{95D79E09-6E77-4F87-B358-F18D99FA343D}"/>
-              </a:ext>
-            </a:extLst>
-          </p:cNvPr>
-          <p:cNvSpPr>
-            <a:spLocks noGrp="1"/>
-          </p:cNvSpPr>
-          <p:nvPr>
-            <p:ph type="title"/>
-          </p:nvPr>
-        </p:nvSpPr>
-        <p:spPr>
-          <a:xfrm>
-            <a:off x="773934" y="425128"/>
-            <a:ext cx="9018070" cy="1325563"/>
-          </a:xfrm>
-          <a:noFill/>
-          <a:ln w="76200">
-            <a:solidFill>
-              <a:srgbClr val="11B29F"/>
-            </a:solidFill>
-          </a:ln>
-        </p:spPr>
-        <p:txBody>
-          <a:bodyPr/>
-          <a:lstStyle/>
-          <a:p>
-            <a:pPr algn="ctr"/>
-            <a:r>
-              <a:rPr lang="en-US" dirty="0">
-                <a:solidFill>
-                  <a:srgbClr val="404040"/>
-                </a:solidFill>
-                <a:latin typeface="Bodoni MT" panose="02070603080606020203" pitchFamily="18" charset="0"/>
-              </a:rPr>
-              <a:t>Solving in Excel</a:t>
-            </a:r>
-          </a:p>
-        </p:txBody>
-      </p:sp>
-      <p:pic>
-        <p:nvPicPr>
-          <p:cNvPr id="5" name="Content Placeholder 4" descr="A picture containing cage&#10;&#10;Description automatically generated">
-            <a:extLst>
-              <a:ext uri="{FF2B5EF4-FFF2-40B4-BE49-F238E27FC236}">
-                <a16:creationId xmlns:a16="http://schemas.microsoft.com/office/drawing/2014/main" id="{EF817497-4F98-4236-83EE-74FD8376B077}"/>
-              </a:ext>
-            </a:extLst>
-          </p:cNvPr>
-          <p:cNvPicPr>
-            <a:picLocks noGrp="1" noChangeAspect="1"/>
-          </p:cNvPicPr>
-          <p:nvPr>
-            <p:ph idx="1"/>
-          </p:nvPr>
-        </p:nvPicPr>
-        <p:blipFill>
-          <a:blip r:embed="rId3">
-            <a:extLst>
-              <a:ext uri="{28A0092B-C50C-407E-A947-70E740481C1C}">
-                <a14:useLocalDpi xmlns:a14="http://schemas.microsoft.com/office/drawing/2010/main" val="0"/>
-              </a:ext>
-            </a:extLst>
-          </a:blip>
-          <a:stretch>
-            <a:fillRect/>
-          </a:stretch>
-        </p:blipFill>
-        <p:spPr>
-          <a:xfrm>
-            <a:off x="9887140" y="47697"/>
-            <a:ext cx="2143125" cy="2143125"/>
-          </a:xfrm>
-        </p:spPr>
-      </p:pic>
-      <p:sp>
-        <p:nvSpPr>
-          <p:cNvPr id="17" name="Rectangle 16">
-            <a:extLst>
-              <a:ext uri="{FF2B5EF4-FFF2-40B4-BE49-F238E27FC236}">
-                <a16:creationId xmlns:a16="http://schemas.microsoft.com/office/drawing/2014/main" id="{C723ED3C-F5E6-4121-9EF2-DD9574E1A49F}"/>
-              </a:ext>
-            </a:extLst>
-          </p:cNvPr>
-          <p:cNvSpPr/>
-          <p:nvPr/>
-        </p:nvSpPr>
-        <p:spPr>
-          <a:xfrm>
-            <a:off x="10085294" y="2008116"/>
-            <a:ext cx="1776920" cy="76178"/>
-          </a:xfrm>
-          <a:prstGeom prst="rect">
-            <a:avLst/>
-          </a:prstGeom>
-          <a:solidFill>
-            <a:srgbClr val="11B29F"/>
-          </a:solidFill>
-          <a:ln>
-            <a:noFill/>
-          </a:ln>
-        </p:spPr>
-        <p:style>
-          <a:lnRef idx="2">
-            <a:schemeClr val="accent1">
-              <a:shade val="50000"/>
-            </a:schemeClr>
-          </a:lnRef>
-          <a:fillRef idx="1">
-            <a:schemeClr val="accent1"/>
-          </a:fillRef>
-          <a:effectRef idx="0">
-            <a:schemeClr val="accent1"/>
-          </a:effectRef>
-          <a:fontRef idx="minor">
-            <a:schemeClr val="lt1"/>
-          </a:fontRef>
-        </p:style>
-        <p:txBody>
-          <a:bodyPr rtlCol="0" anchor="ctr"/>
-          <a:lstStyle/>
-          <a:p>
-            <a:pPr algn="ctr"/>
-            <a:endParaRPr lang="en-US"/>
-          </a:p>
-        </p:txBody>
-      </p:sp>
-      <p:sp>
-        <p:nvSpPr>
-          <p:cNvPr id="21" name="Rectangle 20">
-            <a:extLst>
-              <a:ext uri="{FF2B5EF4-FFF2-40B4-BE49-F238E27FC236}">
-                <a16:creationId xmlns:a16="http://schemas.microsoft.com/office/drawing/2014/main" id="{F9E0EC60-66D4-4536-A867-30142339BAA7}"/>
-              </a:ext>
-            </a:extLst>
-          </p:cNvPr>
-          <p:cNvSpPr/>
-          <p:nvPr/>
-        </p:nvSpPr>
-        <p:spPr>
-          <a:xfrm>
-            <a:off x="10085294" y="2129819"/>
-            <a:ext cx="1776920" cy="76178"/>
-          </a:xfrm>
-          <a:prstGeom prst="rect">
-            <a:avLst/>
-          </a:prstGeom>
-          <a:solidFill>
-            <a:srgbClr val="A71B86"/>
-          </a:solidFill>
-          <a:ln>
-            <a:noFill/>
-          </a:ln>
-        </p:spPr>
-        <p:style>
-          <a:lnRef idx="2">
-            <a:schemeClr val="accent1">
-              <a:shade val="50000"/>
-            </a:schemeClr>
-          </a:lnRef>
-          <a:fillRef idx="1">
-            <a:schemeClr val="accent1"/>
-          </a:fillRef>
-          <a:effectRef idx="0">
-            <a:schemeClr val="accent1"/>
-          </a:effectRef>
-          <a:fontRef idx="minor">
-            <a:schemeClr val="lt1"/>
-          </a:fontRef>
-        </p:style>
-        <p:txBody>
-          <a:bodyPr rtlCol="0" anchor="ctr"/>
-          <a:lstStyle/>
-          <a:p>
-            <a:pPr algn="ctr"/>
-            <a:endParaRPr lang="en-US"/>
-          </a:p>
-        </p:txBody>
-      </p:sp>
-      <p:sp>
-        <p:nvSpPr>
-          <p:cNvPr id="22" name="Rectangle 21">
-            <a:extLst>
-              <a:ext uri="{FF2B5EF4-FFF2-40B4-BE49-F238E27FC236}">
-                <a16:creationId xmlns:a16="http://schemas.microsoft.com/office/drawing/2014/main" id="{F95AED49-24A8-4D10-9D31-F944565EC1B2}"/>
-              </a:ext>
-            </a:extLst>
-          </p:cNvPr>
-          <p:cNvSpPr/>
-          <p:nvPr/>
-        </p:nvSpPr>
-        <p:spPr>
-          <a:xfrm>
-            <a:off x="10085294" y="2251522"/>
-            <a:ext cx="1776920" cy="150200"/>
-          </a:xfrm>
-          <a:prstGeom prst="rect">
-            <a:avLst/>
-          </a:prstGeom>
-          <a:solidFill>
-            <a:srgbClr val="11B29F"/>
-          </a:solidFill>
-          <a:ln>
-            <a:noFill/>
-          </a:ln>
-        </p:spPr>
-        <p:style>
-          <a:lnRef idx="2">
-            <a:schemeClr val="accent1">
-              <a:shade val="50000"/>
-            </a:schemeClr>
-          </a:lnRef>
-          <a:fillRef idx="1">
-            <a:schemeClr val="accent1"/>
-          </a:fillRef>
-          <a:effectRef idx="0">
-            <a:schemeClr val="accent1"/>
-          </a:effectRef>
-          <a:fontRef idx="minor">
-            <a:schemeClr val="lt1"/>
-          </a:fontRef>
-        </p:style>
-        <p:txBody>
-          <a:bodyPr rtlCol="0" anchor="ctr"/>
-          <a:lstStyle/>
-          <a:p>
-            <a:pPr algn="ctr"/>
-            <a:endParaRPr lang="en-US"/>
-          </a:p>
-        </p:txBody>
-      </p:sp>
-      <p:sp>
-        <p:nvSpPr>
-          <p:cNvPr id="24" name="Rectangle 23">
-            <a:extLst>
-              <a:ext uri="{FF2B5EF4-FFF2-40B4-BE49-F238E27FC236}">
-                <a16:creationId xmlns:a16="http://schemas.microsoft.com/office/drawing/2014/main" id="{993D5826-407C-4F65-BE3A-EB593B942A36}"/>
-              </a:ext>
-            </a:extLst>
-          </p:cNvPr>
-          <p:cNvSpPr/>
-          <p:nvPr/>
-        </p:nvSpPr>
-        <p:spPr>
-          <a:xfrm>
-            <a:off x="10085294" y="2447247"/>
-            <a:ext cx="1776920" cy="150200"/>
-          </a:xfrm>
-          <a:prstGeom prst="rect">
-            <a:avLst/>
-          </a:prstGeom>
-          <a:solidFill>
-            <a:srgbClr val="A71B86"/>
-          </a:solidFill>
-          <a:ln>
-            <a:noFill/>
-          </a:ln>
-        </p:spPr>
-        <p:style>
-          <a:lnRef idx="2">
-            <a:schemeClr val="accent1">
-              <a:shade val="50000"/>
-            </a:schemeClr>
-          </a:lnRef>
-          <a:fillRef idx="1">
-            <a:schemeClr val="accent1"/>
-          </a:fillRef>
-          <a:effectRef idx="0">
-            <a:schemeClr val="accent1"/>
-          </a:effectRef>
-          <a:fontRef idx="minor">
-            <a:schemeClr val="lt1"/>
-          </a:fontRef>
-        </p:style>
-        <p:txBody>
-          <a:bodyPr rtlCol="0" anchor="ctr"/>
-          <a:lstStyle/>
-          <a:p>
-            <a:pPr algn="ctr"/>
-            <a:endParaRPr lang="en-US"/>
-          </a:p>
-        </p:txBody>
-      </p:sp>
-      <p:sp>
-        <p:nvSpPr>
-          <p:cNvPr id="25" name="Rectangle 24">
-            <a:extLst>
-              <a:ext uri="{FF2B5EF4-FFF2-40B4-BE49-F238E27FC236}">
-                <a16:creationId xmlns:a16="http://schemas.microsoft.com/office/drawing/2014/main" id="{D2785A94-4D0B-4559-9303-3C963AA0EF9A}"/>
-              </a:ext>
-            </a:extLst>
-          </p:cNvPr>
-          <p:cNvSpPr/>
-          <p:nvPr/>
-        </p:nvSpPr>
-        <p:spPr>
-          <a:xfrm>
-            <a:off x="10085294" y="2642972"/>
-            <a:ext cx="1776920" cy="362446"/>
-          </a:xfrm>
-          <a:prstGeom prst="rect">
-            <a:avLst/>
-          </a:prstGeom>
-          <a:solidFill>
-            <a:srgbClr val="11B29F"/>
-          </a:solidFill>
-          <a:ln>
-            <a:noFill/>
-          </a:ln>
-        </p:spPr>
-        <p:style>
-          <a:lnRef idx="2">
-            <a:schemeClr val="accent1">
-              <a:shade val="50000"/>
-            </a:schemeClr>
-          </a:lnRef>
-          <a:fillRef idx="1">
-            <a:schemeClr val="accent1"/>
-          </a:fillRef>
-          <a:effectRef idx="0">
-            <a:schemeClr val="accent1"/>
-          </a:effectRef>
-          <a:fontRef idx="minor">
-            <a:schemeClr val="lt1"/>
-          </a:fontRef>
-        </p:style>
-        <p:txBody>
-          <a:bodyPr rtlCol="0" anchor="ctr"/>
-          <a:lstStyle/>
-          <a:p>
-            <a:pPr algn="ctr"/>
-            <a:endParaRPr lang="en-US"/>
-          </a:p>
-        </p:txBody>
-      </p:sp>
-      <p:sp>
-        <p:nvSpPr>
-          <p:cNvPr id="26" name="Rectangle 25">
-            <a:extLst>
-              <a:ext uri="{FF2B5EF4-FFF2-40B4-BE49-F238E27FC236}">
-                <a16:creationId xmlns:a16="http://schemas.microsoft.com/office/drawing/2014/main" id="{B235F2E9-4558-433D-9527-7EFF5C5E78A8}"/>
-              </a:ext>
-            </a:extLst>
-          </p:cNvPr>
-          <p:cNvSpPr/>
-          <p:nvPr/>
-        </p:nvSpPr>
-        <p:spPr>
-          <a:xfrm>
-            <a:off x="10085294" y="3050943"/>
-            <a:ext cx="1776920" cy="362446"/>
-          </a:xfrm>
-          <a:prstGeom prst="rect">
-            <a:avLst/>
-          </a:prstGeom>
-          <a:solidFill>
-            <a:srgbClr val="A71B86"/>
-          </a:solidFill>
-          <a:ln>
-            <a:noFill/>
-          </a:ln>
-        </p:spPr>
-        <p:style>
-          <a:lnRef idx="2">
-            <a:schemeClr val="accent1">
-              <a:shade val="50000"/>
-            </a:schemeClr>
-          </a:lnRef>
-          <a:fillRef idx="1">
-            <a:schemeClr val="accent1"/>
-          </a:fillRef>
-          <a:effectRef idx="0">
-            <a:schemeClr val="accent1"/>
-          </a:effectRef>
-          <a:fontRef idx="minor">
-            <a:schemeClr val="lt1"/>
-          </a:fontRef>
-        </p:style>
-        <p:txBody>
-          <a:bodyPr rtlCol="0" anchor="ctr"/>
-          <a:lstStyle/>
-          <a:p>
-            <a:pPr algn="ctr"/>
-            <a:endParaRPr lang="en-US"/>
-          </a:p>
-        </p:txBody>
-      </p:sp>
-      <p:sp>
-        <p:nvSpPr>
-          <p:cNvPr id="27" name="Rectangle 26">
-            <a:extLst>
-              <a:ext uri="{FF2B5EF4-FFF2-40B4-BE49-F238E27FC236}">
-                <a16:creationId xmlns:a16="http://schemas.microsoft.com/office/drawing/2014/main" id="{99613B87-411B-4008-BF30-F1A3B8F247B5}"/>
-              </a:ext>
-            </a:extLst>
-          </p:cNvPr>
-          <p:cNvSpPr/>
-          <p:nvPr/>
-        </p:nvSpPr>
-        <p:spPr>
-          <a:xfrm>
-            <a:off x="10085294" y="3490136"/>
-            <a:ext cx="1776920" cy="3367864"/>
-          </a:xfrm>
-          <a:prstGeom prst="rect">
-            <a:avLst/>
-          </a:prstGeom>
-          <a:solidFill>
-            <a:srgbClr val="11B29F"/>
-          </a:solidFill>
-          <a:ln>
-            <a:noFill/>
-          </a:ln>
-        </p:spPr>
-        <p:style>
-          <a:lnRef idx="2">
-            <a:schemeClr val="accent1">
-              <a:shade val="50000"/>
-            </a:schemeClr>
-          </a:lnRef>
-          <a:fillRef idx="1">
-            <a:schemeClr val="accent1"/>
-          </a:fillRef>
-          <a:effectRef idx="0">
-            <a:schemeClr val="accent1"/>
-          </a:effectRef>
-          <a:fontRef idx="minor">
-            <a:schemeClr val="lt1"/>
-          </a:fontRef>
-        </p:style>
-        <p:txBody>
-          <a:bodyPr rtlCol="0" anchor="ctr"/>
-          <a:lstStyle/>
-          <a:p>
-            <a:pPr algn="ctr"/>
-            <a:endParaRPr lang="en-US"/>
-          </a:p>
-        </p:txBody>
-      </p:sp>
-      <p:sp>
-        <p:nvSpPr>
-          <p:cNvPr id="32" name="Rectangle 31">
-            <a:extLst>
-              <a:ext uri="{FF2B5EF4-FFF2-40B4-BE49-F238E27FC236}">
-                <a16:creationId xmlns:a16="http://schemas.microsoft.com/office/drawing/2014/main" id="{145B3BD2-B1C1-4ED2-A4E0-5E17DD3736F1}"/>
-              </a:ext>
-            </a:extLst>
-          </p:cNvPr>
-          <p:cNvSpPr/>
-          <p:nvPr/>
-        </p:nvSpPr>
-        <p:spPr>
-          <a:xfrm rot="19800000">
-            <a:off x="-765351" y="385789"/>
-            <a:ext cx="4026751" cy="269178"/>
-          </a:xfrm>
-          <a:prstGeom prst="rect">
-            <a:avLst/>
-          </a:prstGeom>
-          <a:solidFill>
-            <a:srgbClr val="A71B86"/>
-          </a:solidFill>
-          <a:ln>
-            <a:noFill/>
-          </a:ln>
-        </p:spPr>
-        <p:style>
-          <a:lnRef idx="2">
-            <a:schemeClr val="accent1">
-              <a:shade val="50000"/>
-            </a:schemeClr>
-          </a:lnRef>
-          <a:fillRef idx="1">
-            <a:schemeClr val="accent1"/>
-          </a:fillRef>
-          <a:effectRef idx="0">
-            <a:schemeClr val="accent1"/>
-          </a:effectRef>
-          <a:fontRef idx="minor">
-            <a:schemeClr val="lt1"/>
-          </a:fontRef>
-        </p:style>
-        <p:txBody>
-          <a:bodyPr rtlCol="0" anchor="ctr"/>
-          <a:lstStyle/>
-          <a:p>
-            <a:pPr algn="ctr"/>
-            <a:endParaRPr lang="en-US"/>
-          </a:p>
-        </p:txBody>
-      </p:sp>
-      <p:sp>
-        <p:nvSpPr>
-          <p:cNvPr id="33" name="Rectangle 32">
-            <a:extLst>
-              <a:ext uri="{FF2B5EF4-FFF2-40B4-BE49-F238E27FC236}">
-                <a16:creationId xmlns:a16="http://schemas.microsoft.com/office/drawing/2014/main" id="{DC3B2826-65DD-408B-8F18-8CCD6C052D8D}"/>
-              </a:ext>
-            </a:extLst>
-          </p:cNvPr>
-          <p:cNvSpPr/>
-          <p:nvPr/>
-        </p:nvSpPr>
-        <p:spPr>
-          <a:xfrm rot="19800000">
-            <a:off x="9257156" y="6226296"/>
-            <a:ext cx="4026751" cy="269178"/>
-          </a:xfrm>
-          <a:prstGeom prst="rect">
-            <a:avLst/>
-          </a:prstGeom>
-          <a:solidFill>
-            <a:srgbClr val="A71B86"/>
-          </a:solidFill>
-          <a:ln>
-            <a:noFill/>
-          </a:ln>
-        </p:spPr>
-        <p:style>
-          <a:lnRef idx="2">
-            <a:schemeClr val="accent1">
-              <a:shade val="50000"/>
-            </a:schemeClr>
-          </a:lnRef>
-          <a:fillRef idx="1">
-            <a:schemeClr val="accent1"/>
-          </a:fillRef>
-          <a:effectRef idx="0">
-            <a:schemeClr val="accent1"/>
-          </a:effectRef>
-          <a:fontRef idx="minor">
-            <a:schemeClr val="lt1"/>
-          </a:fontRef>
-        </p:style>
-        <p:txBody>
-          <a:bodyPr rtlCol="0" anchor="ctr"/>
-          <a:lstStyle/>
-          <a:p>
-            <a:pPr algn="ctr"/>
-            <a:endParaRPr lang="en-US"/>
-          </a:p>
-        </p:txBody>
-      </p:sp>
-      <p:sp>
-        <p:nvSpPr>
-          <p:cNvPr id="35" name="Rectangle 34">
-            <a:extLst>
-              <a:ext uri="{FF2B5EF4-FFF2-40B4-BE49-F238E27FC236}">
-                <a16:creationId xmlns:a16="http://schemas.microsoft.com/office/drawing/2014/main" id="{4935F901-F632-4698-8C7A-AC29B2397A6C}"/>
-              </a:ext>
-            </a:extLst>
-          </p:cNvPr>
-          <p:cNvSpPr/>
-          <p:nvPr/>
-        </p:nvSpPr>
-        <p:spPr>
-          <a:xfrm rot="19800000">
-            <a:off x="8263809" y="5824178"/>
-            <a:ext cx="4731177" cy="269178"/>
-          </a:xfrm>
-          <a:prstGeom prst="rect">
-            <a:avLst/>
-          </a:prstGeom>
-          <a:solidFill>
-            <a:srgbClr val="A71B86"/>
-          </a:solidFill>
-          <a:ln>
-            <a:noFill/>
-          </a:ln>
-        </p:spPr>
-        <p:style>
-          <a:lnRef idx="2">
-            <a:schemeClr val="accent1">
-              <a:shade val="50000"/>
-            </a:schemeClr>
-          </a:lnRef>
-          <a:fillRef idx="1">
-            <a:schemeClr val="accent1"/>
-          </a:fillRef>
-          <a:effectRef idx="0">
-            <a:schemeClr val="accent1"/>
-          </a:effectRef>
-          <a:fontRef idx="minor">
-            <a:schemeClr val="lt1"/>
-          </a:fontRef>
-        </p:style>
-        <p:txBody>
-          <a:bodyPr rtlCol="0" anchor="ctr"/>
-          <a:lstStyle/>
-          <a:p>
-            <a:pPr algn="ctr"/>
-            <a:endParaRPr lang="en-US"/>
-          </a:p>
-        </p:txBody>
-      </p:sp>
-      <p:pic>
-        <p:nvPicPr>
-          <p:cNvPr id="37" name="Graphic 36" descr="Palm tree">
-            <a:extLst>
-              <a:ext uri="{FF2B5EF4-FFF2-40B4-BE49-F238E27FC236}">
-                <a16:creationId xmlns:a16="http://schemas.microsoft.com/office/drawing/2014/main" id="{79F2EC1B-9713-4CCF-8301-82ED265F3940}"/>
-              </a:ext>
-            </a:extLst>
-          </p:cNvPr>
-          <p:cNvPicPr>
-            <a:picLocks noChangeAspect="1"/>
-          </p:cNvPicPr>
-          <p:nvPr/>
-        </p:nvPicPr>
-        <p:blipFill>
-          <a:blip r:embed="rId4">
-            <a:extLst>
-              <a:ext uri="{28A0092B-C50C-407E-A947-70E740481C1C}">
-                <a14:useLocalDpi xmlns:a14="http://schemas.microsoft.com/office/drawing/2010/main" val="0"/>
-              </a:ext>
-              <a:ext uri="{96DAC541-7B7A-43D3-8B79-37D633B846F1}">
-                <asvg:svgBlip xmlns:asvg="http://schemas.microsoft.com/office/drawing/2016/SVG/main" r:embed="rId5"/>
-              </a:ext>
-            </a:extLst>
-          </a:blip>
-          <a:stretch>
-            <a:fillRect/>
-          </a:stretch>
-        </p:blipFill>
-        <p:spPr>
-          <a:xfrm>
-            <a:off x="8964994" y="809490"/>
-            <a:ext cx="914400" cy="914400"/>
-          </a:xfrm>
-          <a:prstGeom prst="rect">
-            <a:avLst/>
-          </a:prstGeom>
-        </p:spPr>
-      </p:pic>
-      <p:pic>
-        <p:nvPicPr>
-          <p:cNvPr id="38" name="Graphic 37" descr="Palm tree">
-            <a:extLst>
-              <a:ext uri="{FF2B5EF4-FFF2-40B4-BE49-F238E27FC236}">
-                <a16:creationId xmlns:a16="http://schemas.microsoft.com/office/drawing/2014/main" id="{11C9CA6F-B5F0-4837-8E50-85C201ADA4F1}"/>
-              </a:ext>
-            </a:extLst>
-          </p:cNvPr>
-          <p:cNvPicPr>
-            <a:picLocks noChangeAspect="1"/>
-          </p:cNvPicPr>
-          <p:nvPr/>
-        </p:nvPicPr>
-        <p:blipFill>
-          <a:blip r:embed="rId4">
-            <a:extLst>
-              <a:ext uri="{28A0092B-C50C-407E-A947-70E740481C1C}">
-                <a14:useLocalDpi xmlns:a14="http://schemas.microsoft.com/office/drawing/2010/main" val="0"/>
-              </a:ext>
-              <a:ext uri="{96DAC541-7B7A-43D3-8B79-37D633B846F1}">
-                <asvg:svgBlip xmlns:asvg="http://schemas.microsoft.com/office/drawing/2016/SVG/main" r:embed="rId5"/>
-              </a:ext>
-            </a:extLst>
-          </a:blip>
-          <a:stretch>
-            <a:fillRect/>
-          </a:stretch>
-        </p:blipFill>
-        <p:spPr>
-          <a:xfrm>
-            <a:off x="8834542" y="1142112"/>
-            <a:ext cx="553133" cy="553133"/>
-          </a:xfrm>
-          <a:prstGeom prst="rect">
-            <a:avLst/>
-          </a:prstGeom>
-        </p:spPr>
-      </p:pic>
-      <p:pic>
-        <p:nvPicPr>
-          <p:cNvPr id="39" name="Graphic 38" descr="Palm tree">
-            <a:extLst>
-              <a:ext uri="{FF2B5EF4-FFF2-40B4-BE49-F238E27FC236}">
-                <a16:creationId xmlns:a16="http://schemas.microsoft.com/office/drawing/2014/main" id="{585AC1AD-01C8-4E2D-8361-4BEA62A48584}"/>
-              </a:ext>
-            </a:extLst>
-          </p:cNvPr>
-          <p:cNvPicPr>
-            <a:picLocks noChangeAspect="1"/>
-          </p:cNvPicPr>
-          <p:nvPr/>
-        </p:nvPicPr>
-        <p:blipFill>
-          <a:blip r:embed="rId4">
-            <a:extLst>
-              <a:ext uri="{28A0092B-C50C-407E-A947-70E740481C1C}">
-                <a14:useLocalDpi xmlns:a14="http://schemas.microsoft.com/office/drawing/2010/main" val="0"/>
-              </a:ext>
-              <a:ext uri="{96DAC541-7B7A-43D3-8B79-37D633B846F1}">
-                <asvg:svgBlip xmlns:asvg="http://schemas.microsoft.com/office/drawing/2016/SVG/main" r:embed="rId5"/>
-              </a:ext>
-            </a:extLst>
-          </a:blip>
-          <a:stretch>
-            <a:fillRect/>
-          </a:stretch>
-        </p:blipFill>
-        <p:spPr>
-          <a:xfrm>
-            <a:off x="9387675" y="1277468"/>
-            <a:ext cx="404329" cy="404329"/>
-          </a:xfrm>
-          <a:prstGeom prst="rect">
-            <a:avLst/>
-          </a:prstGeom>
-        </p:spPr>
-      </p:pic>
-      <p:pic>
-        <p:nvPicPr>
-          <p:cNvPr id="3" name="Picture 2">
-            <a:extLst>
-              <a:ext uri="{FF2B5EF4-FFF2-40B4-BE49-F238E27FC236}">
-                <a16:creationId xmlns:a16="http://schemas.microsoft.com/office/drawing/2014/main" id="{46C777BD-59E3-4ADA-8A1E-E2E9516555E3}"/>
-              </a:ext>
-            </a:extLst>
-          </p:cNvPr>
-          <p:cNvPicPr>
-            <a:picLocks noChangeAspect="1"/>
-          </p:cNvPicPr>
-          <p:nvPr/>
-        </p:nvPicPr>
-        <p:blipFill>
-          <a:blip r:embed="rId6"/>
-          <a:stretch>
-            <a:fillRect/>
-          </a:stretch>
-        </p:blipFill>
-        <p:spPr>
-          <a:xfrm>
-            <a:off x="1140046" y="3005418"/>
-            <a:ext cx="4244685" cy="1458391"/>
-          </a:xfrm>
-          <a:prstGeom prst="rect">
-            <a:avLst/>
-          </a:prstGeom>
-          <a:ln w="38100">
-            <a:solidFill>
-              <a:srgbClr val="11B29F"/>
-            </a:solidFill>
-          </a:ln>
-          <a:effectLst>
-            <a:outerShdw blurRad="292100" dist="139700" dir="2700000" algn="tl" rotWithShape="0">
-              <a:srgbClr val="333333">
-                <a:alpha val="65000"/>
-              </a:srgbClr>
-            </a:outerShdw>
-          </a:effectLst>
-        </p:spPr>
-      </p:pic>
-      <p:pic>
-        <p:nvPicPr>
-          <p:cNvPr id="4" name="Picture 3">
-            <a:extLst>
-              <a:ext uri="{FF2B5EF4-FFF2-40B4-BE49-F238E27FC236}">
-                <a16:creationId xmlns:a16="http://schemas.microsoft.com/office/drawing/2014/main" id="{2C5BA619-77C2-4D19-8373-F61E4784E8C2}"/>
-              </a:ext>
-            </a:extLst>
-          </p:cNvPr>
-          <p:cNvPicPr>
-            <a:picLocks noChangeAspect="1"/>
-          </p:cNvPicPr>
-          <p:nvPr/>
-        </p:nvPicPr>
-        <p:blipFill>
-          <a:blip r:embed="rId7"/>
-          <a:stretch>
-            <a:fillRect/>
-          </a:stretch>
-        </p:blipFill>
-        <p:spPr>
-          <a:xfrm>
-            <a:off x="5610829" y="2659530"/>
-            <a:ext cx="4332900" cy="4134188"/>
-          </a:xfrm>
-          <a:prstGeom prst="rect">
-            <a:avLst/>
-          </a:prstGeom>
-          <a:ln w="38100">
-            <a:solidFill>
-              <a:srgbClr val="11B29F"/>
-            </a:solidFill>
-          </a:ln>
-          <a:effectLst>
-            <a:outerShdw blurRad="292100" dist="139700" dir="2700000" algn="tl" rotWithShape="0">
-              <a:srgbClr val="333333">
-                <a:alpha val="65000"/>
-              </a:srgbClr>
-            </a:outerShdw>
-          </a:effectLst>
-        </p:spPr>
-      </p:pic>
-      <p:sp>
-        <p:nvSpPr>
-          <p:cNvPr id="6" name="Rectangle 5">
-            <a:extLst>
-              <a:ext uri="{FF2B5EF4-FFF2-40B4-BE49-F238E27FC236}">
-                <a16:creationId xmlns:a16="http://schemas.microsoft.com/office/drawing/2014/main" id="{B9E4EBCA-5BE4-451C-A7AF-58356D6DBC80}"/>
-              </a:ext>
-            </a:extLst>
-          </p:cNvPr>
-          <p:cNvSpPr/>
-          <p:nvPr/>
-        </p:nvSpPr>
-        <p:spPr>
-          <a:xfrm>
-            <a:off x="6604782" y="5459506"/>
-            <a:ext cx="2229759" cy="181535"/>
-          </a:xfrm>
-          <a:prstGeom prst="rect">
-            <a:avLst/>
-          </a:prstGeom>
-          <a:noFill/>
-          <a:ln w="38100">
-            <a:solidFill>
-              <a:srgbClr val="A71B86"/>
-            </a:solidFill>
-          </a:ln>
-        </p:spPr>
-        <p:style>
-          <a:lnRef idx="2">
-            <a:schemeClr val="accent1">
-              <a:shade val="50000"/>
-            </a:schemeClr>
-          </a:lnRef>
-          <a:fillRef idx="1">
-            <a:schemeClr val="accent1"/>
-          </a:fillRef>
-          <a:effectRef idx="0">
-            <a:schemeClr val="accent1"/>
-          </a:effectRef>
-          <a:fontRef idx="minor">
-            <a:schemeClr val="lt1"/>
-          </a:fontRef>
-        </p:style>
-        <p:txBody>
-          <a:bodyPr rtlCol="0" anchor="ctr"/>
-          <a:lstStyle/>
-          <a:p>
-            <a:pPr algn="ctr"/>
-            <a:endParaRPr lang="en-US"/>
-          </a:p>
-        </p:txBody>
-      </p:sp>
-      <p:cxnSp>
-        <p:nvCxnSpPr>
-          <p:cNvPr id="8" name="Straight Arrow Connector 7">
-            <a:extLst>
-              <a:ext uri="{FF2B5EF4-FFF2-40B4-BE49-F238E27FC236}">
-                <a16:creationId xmlns:a16="http://schemas.microsoft.com/office/drawing/2014/main" id="{DC169B98-8BDE-449A-965E-4FD203D5BF56}"/>
-              </a:ext>
-            </a:extLst>
-          </p:cNvPr>
-          <p:cNvCxnSpPr>
-            <a:cxnSpLocks/>
-          </p:cNvCxnSpPr>
-          <p:nvPr/>
-        </p:nvCxnSpPr>
-        <p:spPr>
-          <a:xfrm>
-            <a:off x="2454087" y="3926550"/>
-            <a:ext cx="0" cy="1015253"/>
-          </a:xfrm>
-          <a:prstGeom prst="straightConnector1">
-            <a:avLst/>
-          </a:prstGeom>
-          <a:ln w="38100">
-            <a:solidFill>
-              <a:srgbClr val="A71B86"/>
-            </a:solidFill>
-            <a:tailEnd type="triangle"/>
-          </a:ln>
-        </p:spPr>
-        <p:style>
-          <a:lnRef idx="1">
-            <a:schemeClr val="accent1"/>
-          </a:lnRef>
-          <a:fillRef idx="0">
-            <a:schemeClr val="accent1"/>
-          </a:fillRef>
-          <a:effectRef idx="0">
-            <a:schemeClr val="accent1"/>
-          </a:effectRef>
-          <a:fontRef idx="minor">
-            <a:schemeClr val="tx1"/>
-          </a:fontRef>
-        </p:style>
-      </p:cxnSp>
-      <p:sp>
-        <p:nvSpPr>
-          <p:cNvPr id="10" name="TextBox 9">
-            <a:extLst>
-              <a:ext uri="{FF2B5EF4-FFF2-40B4-BE49-F238E27FC236}">
-                <a16:creationId xmlns:a16="http://schemas.microsoft.com/office/drawing/2014/main" id="{53EF36B4-D443-4C01-9A29-DDE549D33839}"/>
-              </a:ext>
-            </a:extLst>
-          </p:cNvPr>
-          <p:cNvSpPr txBox="1"/>
-          <p:nvPr/>
-        </p:nvSpPr>
-        <p:spPr>
-          <a:xfrm>
-            <a:off x="2309622" y="4868307"/>
-            <a:ext cx="3133152" cy="369332"/>
-          </a:xfrm>
-          <a:prstGeom prst="rect">
-            <a:avLst/>
-          </a:prstGeom>
-          <a:noFill/>
-        </p:spPr>
-        <p:txBody>
-          <a:bodyPr wrap="square" rtlCol="0">
-            <a:spAutoFit/>
-          </a:bodyPr>
-          <a:lstStyle/>
-          <a:p>
-            <a:r>
-              <a:rPr lang="en-US" dirty="0">
-                <a:solidFill>
-                  <a:srgbClr val="A71B86"/>
-                </a:solidFill>
-              </a:rPr>
-              <a:t>=1696.8*B4-24.6*B4^2-22000</a:t>
-            </a:r>
-          </a:p>
-        </p:txBody>
-      </p:sp>
-    </p:spTree>
-    <p:extLst>
-      <p:ext uri="{BB962C8B-B14F-4D97-AF65-F5344CB8AC3E}">
-        <p14:creationId xmlns:p14="http://schemas.microsoft.com/office/powerpoint/2010/main" val="539013866"/>
-      </p:ext>
-    </p:extLst>
-  </p:cSld>
-  <p:clrMapOvr>
-    <a:masterClrMapping/>
-  </p:clrMapOvr>
-</p:sld>
-</file>
-
-<file path=ppt/slides/slide15.xml><?xml version="1.0" encoding="utf-8"?>
-<p:sld xmlns:a="http://schemas.openxmlformats.org/drawingml/2006/main" xmlns:r="http://schemas.openxmlformats.org/officeDocument/2006/relationships" xmlns:p="http://schemas.openxmlformats.org/presentationml/2006/main">
-  <p:cSld>
-    <p:spTree>
-      <p:nvGrpSpPr>
-        <p:cNvPr id="1" name=""/>
-        <p:cNvGrpSpPr/>
-        <p:nvPr/>
-      </p:nvGrpSpPr>
-      <p:grpSpPr>
-        <a:xfrm>
-          <a:off x="0" y="0"/>
-          <a:ext cx="0" cy="0"/>
-          <a:chOff x="0" y="0"/>
-          <a:chExt cx="0" cy="0"/>
-        </a:xfrm>
-      </p:grpSpPr>
-      <p:sp>
-        <p:nvSpPr>
-          <p:cNvPr id="36" name="TextBox 35">
-            <a:extLst>
-              <a:ext uri="{FF2B5EF4-FFF2-40B4-BE49-F238E27FC236}">
-                <a16:creationId xmlns:a16="http://schemas.microsoft.com/office/drawing/2014/main" id="{389720C5-6DCB-428D-8C4F-A02DEC239333}"/>
-              </a:ext>
-            </a:extLst>
-          </p:cNvPr>
-          <p:cNvSpPr txBox="1"/>
-          <p:nvPr/>
-        </p:nvSpPr>
-        <p:spPr>
-          <a:xfrm>
-            <a:off x="773935" y="1947592"/>
-            <a:ext cx="8859163" cy="4708981"/>
-          </a:xfrm>
-          <a:prstGeom prst="rect">
-            <a:avLst/>
-          </a:prstGeom>
-          <a:noFill/>
-        </p:spPr>
-        <p:txBody>
-          <a:bodyPr wrap="square" rtlCol="0">
-            <a:spAutoFit/>
-          </a:bodyPr>
-          <a:lstStyle/>
-          <a:p>
-            <a:pPr marL="285750" indent="-285750">
-              <a:buFont typeface="Arial" panose="020B0604020202020204" pitchFamily="34" charset="0"/>
-              <a:buChar char="•"/>
-            </a:pPr>
-            <a:r>
-              <a:rPr lang="en-US" sz="2000" dirty="0">
-                <a:solidFill>
-                  <a:srgbClr val="404040"/>
-                </a:solidFill>
-                <a:latin typeface="Corbel" panose="020B0503020204020204" pitchFamily="34" charset="0"/>
-              </a:rPr>
-              <a:t>Q: What happens if you adjust the price ceiling to $20?</a:t>
-            </a:r>
-          </a:p>
-          <a:p>
-            <a:pPr marL="285750" indent="-285750">
-              <a:buFont typeface="Arial" panose="020B0604020202020204" pitchFamily="34" charset="0"/>
-              <a:buChar char="•"/>
-            </a:pPr>
-            <a:endParaRPr lang="en-US" sz="2000" dirty="0">
-              <a:solidFill>
-                <a:srgbClr val="404040"/>
-              </a:solidFill>
-              <a:latin typeface="Corbel" panose="020B0503020204020204" pitchFamily="34" charset="0"/>
-            </a:endParaRPr>
-          </a:p>
-          <a:p>
-            <a:pPr marL="285750" indent="-285750">
-              <a:buFont typeface="Arial" panose="020B0604020202020204" pitchFamily="34" charset="0"/>
-              <a:buChar char="•"/>
-            </a:pPr>
-            <a:r>
-              <a:rPr lang="en-US" sz="2000" dirty="0">
-                <a:solidFill>
-                  <a:srgbClr val="404040"/>
-                </a:solidFill>
-                <a:latin typeface="Corbel" panose="020B0503020204020204" pitchFamily="34" charset="0"/>
-              </a:rPr>
-              <a:t>Q: Is your answer consistent with what we have previously seen?</a:t>
-            </a:r>
-          </a:p>
-          <a:p>
-            <a:pPr marL="285750" indent="-285750">
-              <a:buFont typeface="Arial" panose="020B0604020202020204" pitchFamily="34" charset="0"/>
-              <a:buChar char="•"/>
-            </a:pPr>
-            <a:endParaRPr lang="en-US" sz="2000" dirty="0">
-              <a:solidFill>
-                <a:srgbClr val="404040"/>
-              </a:solidFill>
-              <a:latin typeface="Corbel" panose="020B0503020204020204" pitchFamily="34" charset="0"/>
-            </a:endParaRPr>
-          </a:p>
-          <a:p>
-            <a:pPr marL="285750" indent="-285750">
-              <a:buFont typeface="Arial" panose="020B0604020202020204" pitchFamily="34" charset="0"/>
-              <a:buChar char="•"/>
-            </a:pPr>
-            <a:endParaRPr lang="en-US" sz="2000" dirty="0">
-              <a:solidFill>
-                <a:srgbClr val="404040"/>
-              </a:solidFill>
-              <a:latin typeface="Corbel" panose="020B0503020204020204" pitchFamily="34" charset="0"/>
-            </a:endParaRPr>
-          </a:p>
-          <a:p>
-            <a:pPr marL="285750" indent="-285750">
-              <a:buFont typeface="Arial" panose="020B0604020202020204" pitchFamily="34" charset="0"/>
-              <a:buChar char="•"/>
-            </a:pPr>
-            <a:endParaRPr lang="en-US" sz="2000" dirty="0">
-              <a:solidFill>
-                <a:srgbClr val="404040"/>
-              </a:solidFill>
-              <a:latin typeface="Corbel" panose="020B0503020204020204" pitchFamily="34" charset="0"/>
-            </a:endParaRPr>
-          </a:p>
-          <a:p>
-            <a:pPr marL="285750" indent="-285750">
-              <a:buFont typeface="Arial" panose="020B0604020202020204" pitchFamily="34" charset="0"/>
-              <a:buChar char="•"/>
-            </a:pPr>
-            <a:endParaRPr lang="en-US" sz="2000" dirty="0">
-              <a:solidFill>
-                <a:srgbClr val="404040"/>
-              </a:solidFill>
-              <a:latin typeface="Corbel" panose="020B0503020204020204" pitchFamily="34" charset="0"/>
-            </a:endParaRPr>
-          </a:p>
-          <a:p>
-            <a:pPr marL="285750" indent="-285750">
-              <a:buFont typeface="Arial" panose="020B0604020202020204" pitchFamily="34" charset="0"/>
-              <a:buChar char="•"/>
-            </a:pPr>
-            <a:endParaRPr lang="en-US" sz="2000" dirty="0">
-              <a:solidFill>
-                <a:srgbClr val="404040"/>
-              </a:solidFill>
-              <a:latin typeface="Corbel" panose="020B0503020204020204" pitchFamily="34" charset="0"/>
-            </a:endParaRPr>
-          </a:p>
-          <a:p>
-            <a:pPr marL="285750" indent="-285750">
-              <a:buFont typeface="Arial" panose="020B0604020202020204" pitchFamily="34" charset="0"/>
-              <a:buChar char="•"/>
-            </a:pPr>
-            <a:endParaRPr lang="en-US" sz="2000" dirty="0">
-              <a:solidFill>
-                <a:srgbClr val="404040"/>
-              </a:solidFill>
-              <a:latin typeface="Corbel" panose="020B0503020204020204" pitchFamily="34" charset="0"/>
-            </a:endParaRPr>
-          </a:p>
-          <a:p>
-            <a:pPr marL="285750" indent="-285750">
-              <a:buFont typeface="Arial" panose="020B0604020202020204" pitchFamily="34" charset="0"/>
-              <a:buChar char="•"/>
-            </a:pPr>
-            <a:endParaRPr lang="en-US" sz="2000" dirty="0">
-              <a:solidFill>
-                <a:srgbClr val="404040"/>
-              </a:solidFill>
-              <a:latin typeface="Corbel" panose="020B0503020204020204" pitchFamily="34" charset="0"/>
-            </a:endParaRPr>
-          </a:p>
-          <a:p>
-            <a:pPr marL="285750" indent="-285750">
-              <a:buFont typeface="Arial" panose="020B0604020202020204" pitchFamily="34" charset="0"/>
-              <a:buChar char="•"/>
-            </a:pPr>
-            <a:endParaRPr lang="en-US" sz="2000" dirty="0">
-              <a:solidFill>
-                <a:srgbClr val="404040"/>
-              </a:solidFill>
-              <a:latin typeface="Corbel" panose="020B0503020204020204" pitchFamily="34" charset="0"/>
-            </a:endParaRPr>
-          </a:p>
-          <a:p>
-            <a:pPr marL="285750" indent="-285750">
-              <a:buFont typeface="Arial" panose="020B0604020202020204" pitchFamily="34" charset="0"/>
-              <a:buChar char="•"/>
-            </a:pPr>
-            <a:endParaRPr lang="en-US" sz="2000" dirty="0">
-              <a:solidFill>
-                <a:srgbClr val="404040"/>
-              </a:solidFill>
-              <a:latin typeface="Corbel" panose="020B0503020204020204" pitchFamily="34" charset="0"/>
-            </a:endParaRPr>
-          </a:p>
-          <a:p>
-            <a:pPr marL="285750" indent="-285750">
-              <a:buFont typeface="Arial" panose="020B0604020202020204" pitchFamily="34" charset="0"/>
-              <a:buChar char="•"/>
-            </a:pPr>
-            <a:endParaRPr lang="en-US" sz="2000" dirty="0">
-              <a:solidFill>
-                <a:srgbClr val="404040"/>
-              </a:solidFill>
-              <a:latin typeface="Corbel" panose="020B0503020204020204" pitchFamily="34" charset="0"/>
-            </a:endParaRPr>
-          </a:p>
-          <a:p>
-            <a:pPr marL="285750" indent="-285750">
-              <a:buFont typeface="Arial" panose="020B0604020202020204" pitchFamily="34" charset="0"/>
-              <a:buChar char="•"/>
-            </a:pPr>
-            <a:endParaRPr lang="en-US" sz="2000" dirty="0">
-              <a:solidFill>
-                <a:srgbClr val="404040"/>
-              </a:solidFill>
-              <a:latin typeface="Corbel" panose="020B0503020204020204" pitchFamily="34" charset="0"/>
-            </a:endParaRPr>
-          </a:p>
-          <a:p>
-            <a:pPr marL="285750" indent="-285750">
-              <a:buFont typeface="Arial" panose="020B0604020202020204" pitchFamily="34" charset="0"/>
-              <a:buChar char="•"/>
-            </a:pPr>
-            <a:r>
-              <a:rPr lang="en-US" sz="2000" dirty="0">
-                <a:solidFill>
-                  <a:srgbClr val="404040"/>
-                </a:solidFill>
-                <a:latin typeface="Corbel" panose="020B0503020204020204" pitchFamily="34" charset="0"/>
-              </a:rPr>
-              <a:t>Q: What happens if you completely drop </a:t>
-            </a:r>
-            <a:r>
-              <a:rPr lang="en-US" sz="2000">
-                <a:solidFill>
-                  <a:srgbClr val="404040"/>
-                </a:solidFill>
-                <a:latin typeface="Corbel" panose="020B0503020204020204" pitchFamily="34" charset="0"/>
-              </a:rPr>
-              <a:t>the constraint?</a:t>
-            </a:r>
-          </a:p>
-        </p:txBody>
-      </p:sp>
-      <p:sp>
-        <p:nvSpPr>
-          <p:cNvPr id="28" name="Rectangle 27">
-            <a:extLst>
-              <a:ext uri="{FF2B5EF4-FFF2-40B4-BE49-F238E27FC236}">
-                <a16:creationId xmlns:a16="http://schemas.microsoft.com/office/drawing/2014/main" id="{1568D3DA-67F7-464C-95FF-D7D56F4038D6}"/>
-              </a:ext>
-            </a:extLst>
-          </p:cNvPr>
-          <p:cNvSpPr/>
-          <p:nvPr/>
-        </p:nvSpPr>
-        <p:spPr>
-          <a:xfrm rot="19800000">
-            <a:off x="-597297" y="674901"/>
-            <a:ext cx="4026751" cy="269178"/>
-          </a:xfrm>
-          <a:prstGeom prst="rect">
-            <a:avLst/>
-          </a:prstGeom>
-          <a:solidFill>
-            <a:srgbClr val="A71B86"/>
-          </a:solidFill>
-          <a:ln>
-            <a:noFill/>
-          </a:ln>
-        </p:spPr>
-        <p:style>
-          <a:lnRef idx="2">
-            <a:schemeClr val="accent1">
-              <a:shade val="50000"/>
-            </a:schemeClr>
-          </a:lnRef>
-          <a:fillRef idx="1">
-            <a:schemeClr val="accent1"/>
-          </a:fillRef>
-          <a:effectRef idx="0">
-            <a:schemeClr val="accent1"/>
-          </a:effectRef>
-          <a:fontRef idx="minor">
-            <a:schemeClr val="lt1"/>
-          </a:fontRef>
-        </p:style>
-        <p:txBody>
-          <a:bodyPr rtlCol="0" anchor="ctr"/>
-          <a:lstStyle/>
-          <a:p>
-            <a:pPr algn="ctr"/>
-            <a:endParaRPr lang="en-US"/>
-          </a:p>
-        </p:txBody>
-      </p:sp>
-      <p:pic>
-        <p:nvPicPr>
-          <p:cNvPr id="11" name="Picture 10" descr="A large body of water&#10;&#10;Description automatically generated">
-            <a:extLst>
-              <a:ext uri="{FF2B5EF4-FFF2-40B4-BE49-F238E27FC236}">
-                <a16:creationId xmlns:a16="http://schemas.microsoft.com/office/drawing/2014/main" id="{B83B0471-BE25-41B4-B185-53BEB6528B89}"/>
-              </a:ext>
-            </a:extLst>
-          </p:cNvPr>
-          <p:cNvPicPr>
-            <a:picLocks noChangeAspect="1"/>
-          </p:cNvPicPr>
-          <p:nvPr/>
-        </p:nvPicPr>
-        <p:blipFill rotWithShape="1">
-          <a:blip r:embed="rId2">
-            <a:alphaModFix amt="20000"/>
-            <a:extLst>
-              <a:ext uri="{28A0092B-C50C-407E-A947-70E740481C1C}">
-                <a14:useLocalDpi xmlns:a14="http://schemas.microsoft.com/office/drawing/2010/main" val="0"/>
-              </a:ext>
-            </a:extLst>
-          </a:blip>
-          <a:srcRect t="34654" b="43573"/>
-          <a:stretch/>
-        </p:blipFill>
-        <p:spPr>
-          <a:xfrm>
-            <a:off x="773935" y="442465"/>
-            <a:ext cx="9018070" cy="1308226"/>
-          </a:xfrm>
-          <a:prstGeom prst="rect">
-            <a:avLst/>
-          </a:prstGeom>
-        </p:spPr>
-      </p:pic>
-      <p:sp>
-        <p:nvSpPr>
-          <p:cNvPr id="34" name="Rectangle 33">
-            <a:extLst>
-              <a:ext uri="{FF2B5EF4-FFF2-40B4-BE49-F238E27FC236}">
-                <a16:creationId xmlns:a16="http://schemas.microsoft.com/office/drawing/2014/main" id="{BFE7775A-1FAD-4E84-8B9E-DA4B39640B5E}"/>
-              </a:ext>
-            </a:extLst>
-          </p:cNvPr>
-          <p:cNvSpPr/>
-          <p:nvPr/>
-        </p:nvSpPr>
-        <p:spPr>
-          <a:xfrm rot="19800000">
-            <a:off x="9089102" y="5937184"/>
-            <a:ext cx="4026751" cy="269178"/>
-          </a:xfrm>
-          <a:prstGeom prst="rect">
-            <a:avLst/>
-          </a:prstGeom>
-          <a:solidFill>
-            <a:srgbClr val="A71B86"/>
-          </a:solidFill>
-          <a:ln>
-            <a:noFill/>
-          </a:ln>
-        </p:spPr>
-        <p:style>
-          <a:lnRef idx="2">
-            <a:schemeClr val="accent1">
-              <a:shade val="50000"/>
-            </a:schemeClr>
-          </a:lnRef>
-          <a:fillRef idx="1">
-            <a:schemeClr val="accent1"/>
-          </a:fillRef>
-          <a:effectRef idx="0">
-            <a:schemeClr val="accent1"/>
-          </a:effectRef>
-          <a:fontRef idx="minor">
-            <a:schemeClr val="lt1"/>
-          </a:fontRef>
-        </p:style>
-        <p:txBody>
-          <a:bodyPr rtlCol="0" anchor="ctr"/>
-          <a:lstStyle/>
-          <a:p>
-            <a:pPr algn="ctr"/>
-            <a:endParaRPr lang="en-US"/>
-          </a:p>
-        </p:txBody>
-      </p:sp>
-      <p:sp>
-        <p:nvSpPr>
-          <p:cNvPr id="2" name="Title 1">
-            <a:extLst>
-              <a:ext uri="{FF2B5EF4-FFF2-40B4-BE49-F238E27FC236}">
-                <a16:creationId xmlns:a16="http://schemas.microsoft.com/office/drawing/2014/main" id="{95D79E09-6E77-4F87-B358-F18D99FA343D}"/>
-              </a:ext>
-            </a:extLst>
-          </p:cNvPr>
-          <p:cNvSpPr>
-            <a:spLocks noGrp="1"/>
-          </p:cNvSpPr>
-          <p:nvPr>
-            <p:ph type="title"/>
-          </p:nvPr>
-        </p:nvSpPr>
-        <p:spPr>
-          <a:xfrm>
-            <a:off x="773934" y="425128"/>
-            <a:ext cx="9018070" cy="1325563"/>
-          </a:xfrm>
-          <a:noFill/>
-          <a:ln w="76200">
-            <a:solidFill>
-              <a:srgbClr val="11B29F"/>
-            </a:solidFill>
-          </a:ln>
-        </p:spPr>
-        <p:txBody>
-          <a:bodyPr/>
-          <a:lstStyle/>
-          <a:p>
-            <a:pPr algn="ctr"/>
-            <a:r>
-              <a:rPr lang="en-US" dirty="0">
-                <a:solidFill>
-                  <a:srgbClr val="404040"/>
-                </a:solidFill>
-                <a:latin typeface="Bodoni MT" panose="02070603080606020203" pitchFamily="18" charset="0"/>
-              </a:rPr>
-              <a:t>Solving in Excel</a:t>
-            </a:r>
-          </a:p>
-        </p:txBody>
-      </p:sp>
-      <p:pic>
-        <p:nvPicPr>
-          <p:cNvPr id="5" name="Content Placeholder 4" descr="A picture containing cage&#10;&#10;Description automatically generated">
-            <a:extLst>
-              <a:ext uri="{FF2B5EF4-FFF2-40B4-BE49-F238E27FC236}">
-                <a16:creationId xmlns:a16="http://schemas.microsoft.com/office/drawing/2014/main" id="{EF817497-4F98-4236-83EE-74FD8376B077}"/>
-              </a:ext>
-            </a:extLst>
-          </p:cNvPr>
-          <p:cNvPicPr>
-            <a:picLocks noGrp="1" noChangeAspect="1"/>
-          </p:cNvPicPr>
-          <p:nvPr>
-            <p:ph idx="1"/>
-          </p:nvPr>
-        </p:nvPicPr>
-        <p:blipFill>
-          <a:blip r:embed="rId3">
-            <a:extLst>
-              <a:ext uri="{28A0092B-C50C-407E-A947-70E740481C1C}">
-                <a14:useLocalDpi xmlns:a14="http://schemas.microsoft.com/office/drawing/2010/main" val="0"/>
-              </a:ext>
-            </a:extLst>
-          </a:blip>
-          <a:stretch>
-            <a:fillRect/>
-          </a:stretch>
-        </p:blipFill>
-        <p:spPr>
-          <a:xfrm>
-            <a:off x="9887140" y="47697"/>
-            <a:ext cx="2143125" cy="2143125"/>
-          </a:xfrm>
-        </p:spPr>
-      </p:pic>
-      <p:sp>
-        <p:nvSpPr>
-          <p:cNvPr id="17" name="Rectangle 16">
-            <a:extLst>
-              <a:ext uri="{FF2B5EF4-FFF2-40B4-BE49-F238E27FC236}">
-                <a16:creationId xmlns:a16="http://schemas.microsoft.com/office/drawing/2014/main" id="{C723ED3C-F5E6-4121-9EF2-DD9574E1A49F}"/>
-              </a:ext>
-            </a:extLst>
-          </p:cNvPr>
-          <p:cNvSpPr/>
-          <p:nvPr/>
-        </p:nvSpPr>
-        <p:spPr>
-          <a:xfrm>
-            <a:off x="10085294" y="2008116"/>
-            <a:ext cx="1776920" cy="76178"/>
-          </a:xfrm>
-          <a:prstGeom prst="rect">
-            <a:avLst/>
-          </a:prstGeom>
-          <a:solidFill>
-            <a:srgbClr val="11B29F"/>
-          </a:solidFill>
-          <a:ln>
-            <a:noFill/>
-          </a:ln>
-        </p:spPr>
-        <p:style>
-          <a:lnRef idx="2">
-            <a:schemeClr val="accent1">
-              <a:shade val="50000"/>
-            </a:schemeClr>
-          </a:lnRef>
-          <a:fillRef idx="1">
-            <a:schemeClr val="accent1"/>
-          </a:fillRef>
-          <a:effectRef idx="0">
-            <a:schemeClr val="accent1"/>
-          </a:effectRef>
-          <a:fontRef idx="minor">
-            <a:schemeClr val="lt1"/>
-          </a:fontRef>
-        </p:style>
-        <p:txBody>
-          <a:bodyPr rtlCol="0" anchor="ctr"/>
-          <a:lstStyle/>
-          <a:p>
-            <a:pPr algn="ctr"/>
-            <a:endParaRPr lang="en-US"/>
-          </a:p>
-        </p:txBody>
-      </p:sp>
-      <p:sp>
-        <p:nvSpPr>
-          <p:cNvPr id="21" name="Rectangle 20">
-            <a:extLst>
-              <a:ext uri="{FF2B5EF4-FFF2-40B4-BE49-F238E27FC236}">
-                <a16:creationId xmlns:a16="http://schemas.microsoft.com/office/drawing/2014/main" id="{F9E0EC60-66D4-4536-A867-30142339BAA7}"/>
-              </a:ext>
-            </a:extLst>
-          </p:cNvPr>
-          <p:cNvSpPr/>
-          <p:nvPr/>
-        </p:nvSpPr>
-        <p:spPr>
-          <a:xfrm>
-            <a:off x="10085294" y="2129819"/>
-            <a:ext cx="1776920" cy="76178"/>
-          </a:xfrm>
-          <a:prstGeom prst="rect">
-            <a:avLst/>
-          </a:prstGeom>
-          <a:solidFill>
-            <a:srgbClr val="A71B86"/>
-          </a:solidFill>
-          <a:ln>
-            <a:noFill/>
-          </a:ln>
-        </p:spPr>
-        <p:style>
-          <a:lnRef idx="2">
-            <a:schemeClr val="accent1">
-              <a:shade val="50000"/>
-            </a:schemeClr>
-          </a:lnRef>
-          <a:fillRef idx="1">
-            <a:schemeClr val="accent1"/>
-          </a:fillRef>
-          <a:effectRef idx="0">
-            <a:schemeClr val="accent1"/>
-          </a:effectRef>
-          <a:fontRef idx="minor">
-            <a:schemeClr val="lt1"/>
-          </a:fontRef>
-        </p:style>
-        <p:txBody>
-          <a:bodyPr rtlCol="0" anchor="ctr"/>
-          <a:lstStyle/>
-          <a:p>
-            <a:pPr algn="ctr"/>
-            <a:endParaRPr lang="en-US"/>
-          </a:p>
-        </p:txBody>
-      </p:sp>
-      <p:sp>
-        <p:nvSpPr>
-          <p:cNvPr id="22" name="Rectangle 21">
-            <a:extLst>
-              <a:ext uri="{FF2B5EF4-FFF2-40B4-BE49-F238E27FC236}">
-                <a16:creationId xmlns:a16="http://schemas.microsoft.com/office/drawing/2014/main" id="{F95AED49-24A8-4D10-9D31-F944565EC1B2}"/>
-              </a:ext>
-            </a:extLst>
-          </p:cNvPr>
-          <p:cNvSpPr/>
-          <p:nvPr/>
-        </p:nvSpPr>
-        <p:spPr>
-          <a:xfrm>
-            <a:off x="10085294" y="2251522"/>
-            <a:ext cx="1776920" cy="150200"/>
-          </a:xfrm>
-          <a:prstGeom prst="rect">
-            <a:avLst/>
-          </a:prstGeom>
-          <a:solidFill>
-            <a:srgbClr val="11B29F"/>
-          </a:solidFill>
-          <a:ln>
-            <a:noFill/>
-          </a:ln>
-        </p:spPr>
-        <p:style>
-          <a:lnRef idx="2">
-            <a:schemeClr val="accent1">
-              <a:shade val="50000"/>
-            </a:schemeClr>
-          </a:lnRef>
-          <a:fillRef idx="1">
-            <a:schemeClr val="accent1"/>
-          </a:fillRef>
-          <a:effectRef idx="0">
-            <a:schemeClr val="accent1"/>
-          </a:effectRef>
-          <a:fontRef idx="minor">
-            <a:schemeClr val="lt1"/>
-          </a:fontRef>
-        </p:style>
-        <p:txBody>
-          <a:bodyPr rtlCol="0" anchor="ctr"/>
-          <a:lstStyle/>
-          <a:p>
-            <a:pPr algn="ctr"/>
-            <a:endParaRPr lang="en-US"/>
-          </a:p>
-        </p:txBody>
-      </p:sp>
-      <p:sp>
-        <p:nvSpPr>
-          <p:cNvPr id="24" name="Rectangle 23">
-            <a:extLst>
-              <a:ext uri="{FF2B5EF4-FFF2-40B4-BE49-F238E27FC236}">
-                <a16:creationId xmlns:a16="http://schemas.microsoft.com/office/drawing/2014/main" id="{993D5826-407C-4F65-BE3A-EB593B942A36}"/>
-              </a:ext>
-            </a:extLst>
-          </p:cNvPr>
-          <p:cNvSpPr/>
-          <p:nvPr/>
-        </p:nvSpPr>
-        <p:spPr>
-          <a:xfrm>
-            <a:off x="10085294" y="2447247"/>
-            <a:ext cx="1776920" cy="150200"/>
-          </a:xfrm>
-          <a:prstGeom prst="rect">
-            <a:avLst/>
-          </a:prstGeom>
-          <a:solidFill>
-            <a:srgbClr val="A71B86"/>
-          </a:solidFill>
-          <a:ln>
-            <a:noFill/>
-          </a:ln>
-        </p:spPr>
-        <p:style>
-          <a:lnRef idx="2">
-            <a:schemeClr val="accent1">
-              <a:shade val="50000"/>
-            </a:schemeClr>
-          </a:lnRef>
-          <a:fillRef idx="1">
-            <a:schemeClr val="accent1"/>
-          </a:fillRef>
-          <a:effectRef idx="0">
-            <a:schemeClr val="accent1"/>
-          </a:effectRef>
-          <a:fontRef idx="minor">
-            <a:schemeClr val="lt1"/>
-          </a:fontRef>
-        </p:style>
-        <p:txBody>
-          <a:bodyPr rtlCol="0" anchor="ctr"/>
-          <a:lstStyle/>
-          <a:p>
-            <a:pPr algn="ctr"/>
-            <a:endParaRPr lang="en-US"/>
-          </a:p>
-        </p:txBody>
-      </p:sp>
-      <p:sp>
-        <p:nvSpPr>
-          <p:cNvPr id="25" name="Rectangle 24">
-            <a:extLst>
-              <a:ext uri="{FF2B5EF4-FFF2-40B4-BE49-F238E27FC236}">
-                <a16:creationId xmlns:a16="http://schemas.microsoft.com/office/drawing/2014/main" id="{D2785A94-4D0B-4559-9303-3C963AA0EF9A}"/>
-              </a:ext>
-            </a:extLst>
-          </p:cNvPr>
-          <p:cNvSpPr/>
-          <p:nvPr/>
-        </p:nvSpPr>
-        <p:spPr>
-          <a:xfrm>
-            <a:off x="10085294" y="2642972"/>
-            <a:ext cx="1776920" cy="362446"/>
-          </a:xfrm>
-          <a:prstGeom prst="rect">
-            <a:avLst/>
-          </a:prstGeom>
-          <a:solidFill>
-            <a:srgbClr val="11B29F"/>
-          </a:solidFill>
-          <a:ln>
-            <a:noFill/>
-          </a:ln>
-        </p:spPr>
-        <p:style>
-          <a:lnRef idx="2">
-            <a:schemeClr val="accent1">
-              <a:shade val="50000"/>
-            </a:schemeClr>
-          </a:lnRef>
-          <a:fillRef idx="1">
-            <a:schemeClr val="accent1"/>
-          </a:fillRef>
-          <a:effectRef idx="0">
-            <a:schemeClr val="accent1"/>
-          </a:effectRef>
-          <a:fontRef idx="minor">
-            <a:schemeClr val="lt1"/>
-          </a:fontRef>
-        </p:style>
-        <p:txBody>
-          <a:bodyPr rtlCol="0" anchor="ctr"/>
-          <a:lstStyle/>
-          <a:p>
-            <a:pPr algn="ctr"/>
-            <a:endParaRPr lang="en-US"/>
-          </a:p>
-        </p:txBody>
-      </p:sp>
-      <p:sp>
-        <p:nvSpPr>
-          <p:cNvPr id="26" name="Rectangle 25">
-            <a:extLst>
-              <a:ext uri="{FF2B5EF4-FFF2-40B4-BE49-F238E27FC236}">
-                <a16:creationId xmlns:a16="http://schemas.microsoft.com/office/drawing/2014/main" id="{B235F2E9-4558-433D-9527-7EFF5C5E78A8}"/>
-              </a:ext>
-            </a:extLst>
-          </p:cNvPr>
-          <p:cNvSpPr/>
-          <p:nvPr/>
-        </p:nvSpPr>
-        <p:spPr>
-          <a:xfrm>
-            <a:off x="10085294" y="3050943"/>
-            <a:ext cx="1776920" cy="362446"/>
-          </a:xfrm>
-          <a:prstGeom prst="rect">
-            <a:avLst/>
-          </a:prstGeom>
-          <a:solidFill>
-            <a:srgbClr val="A71B86"/>
-          </a:solidFill>
-          <a:ln>
-            <a:noFill/>
-          </a:ln>
-        </p:spPr>
-        <p:style>
-          <a:lnRef idx="2">
-            <a:schemeClr val="accent1">
-              <a:shade val="50000"/>
-            </a:schemeClr>
-          </a:lnRef>
-          <a:fillRef idx="1">
-            <a:schemeClr val="accent1"/>
-          </a:fillRef>
-          <a:effectRef idx="0">
-            <a:schemeClr val="accent1"/>
-          </a:effectRef>
-          <a:fontRef idx="minor">
-            <a:schemeClr val="lt1"/>
-          </a:fontRef>
-        </p:style>
-        <p:txBody>
-          <a:bodyPr rtlCol="0" anchor="ctr"/>
-          <a:lstStyle/>
-          <a:p>
-            <a:pPr algn="ctr"/>
-            <a:endParaRPr lang="en-US"/>
-          </a:p>
-        </p:txBody>
-      </p:sp>
-      <p:sp>
-        <p:nvSpPr>
-          <p:cNvPr id="27" name="Rectangle 26">
-            <a:extLst>
-              <a:ext uri="{FF2B5EF4-FFF2-40B4-BE49-F238E27FC236}">
-                <a16:creationId xmlns:a16="http://schemas.microsoft.com/office/drawing/2014/main" id="{99613B87-411B-4008-BF30-F1A3B8F247B5}"/>
-              </a:ext>
-            </a:extLst>
-          </p:cNvPr>
-          <p:cNvSpPr/>
-          <p:nvPr/>
-        </p:nvSpPr>
-        <p:spPr>
-          <a:xfrm>
-            <a:off x="10085294" y="3490136"/>
-            <a:ext cx="1776920" cy="3367864"/>
-          </a:xfrm>
-          <a:prstGeom prst="rect">
-            <a:avLst/>
-          </a:prstGeom>
-          <a:solidFill>
-            <a:srgbClr val="11B29F"/>
-          </a:solidFill>
-          <a:ln>
-            <a:noFill/>
-          </a:ln>
-        </p:spPr>
-        <p:style>
-          <a:lnRef idx="2">
-            <a:schemeClr val="accent1">
-              <a:shade val="50000"/>
-            </a:schemeClr>
-          </a:lnRef>
-          <a:fillRef idx="1">
-            <a:schemeClr val="accent1"/>
-          </a:fillRef>
-          <a:effectRef idx="0">
-            <a:schemeClr val="accent1"/>
-          </a:effectRef>
-          <a:fontRef idx="minor">
-            <a:schemeClr val="lt1"/>
-          </a:fontRef>
-        </p:style>
-        <p:txBody>
-          <a:bodyPr rtlCol="0" anchor="ctr"/>
-          <a:lstStyle/>
-          <a:p>
-            <a:pPr algn="ctr"/>
-            <a:endParaRPr lang="en-US"/>
-          </a:p>
-        </p:txBody>
-      </p:sp>
-      <p:sp>
-        <p:nvSpPr>
-          <p:cNvPr id="32" name="Rectangle 31">
-            <a:extLst>
-              <a:ext uri="{FF2B5EF4-FFF2-40B4-BE49-F238E27FC236}">
-                <a16:creationId xmlns:a16="http://schemas.microsoft.com/office/drawing/2014/main" id="{145B3BD2-B1C1-4ED2-A4E0-5E17DD3736F1}"/>
-              </a:ext>
-            </a:extLst>
-          </p:cNvPr>
-          <p:cNvSpPr/>
-          <p:nvPr/>
-        </p:nvSpPr>
-        <p:spPr>
-          <a:xfrm rot="19800000">
-            <a:off x="-765351" y="385789"/>
-            <a:ext cx="4026751" cy="269178"/>
-          </a:xfrm>
-          <a:prstGeom prst="rect">
-            <a:avLst/>
-          </a:prstGeom>
-          <a:solidFill>
-            <a:srgbClr val="A71B86"/>
-          </a:solidFill>
-          <a:ln>
-            <a:noFill/>
-          </a:ln>
-        </p:spPr>
-        <p:style>
-          <a:lnRef idx="2">
-            <a:schemeClr val="accent1">
-              <a:shade val="50000"/>
-            </a:schemeClr>
-          </a:lnRef>
-          <a:fillRef idx="1">
-            <a:schemeClr val="accent1"/>
-          </a:fillRef>
-          <a:effectRef idx="0">
-            <a:schemeClr val="accent1"/>
-          </a:effectRef>
-          <a:fontRef idx="minor">
-            <a:schemeClr val="lt1"/>
-          </a:fontRef>
-        </p:style>
-        <p:txBody>
-          <a:bodyPr rtlCol="0" anchor="ctr"/>
-          <a:lstStyle/>
-          <a:p>
-            <a:pPr algn="ctr"/>
-            <a:endParaRPr lang="en-US"/>
-          </a:p>
-        </p:txBody>
-      </p:sp>
-      <p:sp>
-        <p:nvSpPr>
-          <p:cNvPr id="33" name="Rectangle 32">
-            <a:extLst>
-              <a:ext uri="{FF2B5EF4-FFF2-40B4-BE49-F238E27FC236}">
-                <a16:creationId xmlns:a16="http://schemas.microsoft.com/office/drawing/2014/main" id="{DC3B2826-65DD-408B-8F18-8CCD6C052D8D}"/>
-              </a:ext>
-            </a:extLst>
-          </p:cNvPr>
-          <p:cNvSpPr/>
-          <p:nvPr/>
-        </p:nvSpPr>
-        <p:spPr>
-          <a:xfrm rot="19800000">
-            <a:off x="9257156" y="6226296"/>
-            <a:ext cx="4026751" cy="269178"/>
-          </a:xfrm>
-          <a:prstGeom prst="rect">
-            <a:avLst/>
-          </a:prstGeom>
-          <a:solidFill>
-            <a:srgbClr val="A71B86"/>
-          </a:solidFill>
-          <a:ln>
-            <a:noFill/>
-          </a:ln>
-        </p:spPr>
-        <p:style>
-          <a:lnRef idx="2">
-            <a:schemeClr val="accent1">
-              <a:shade val="50000"/>
-            </a:schemeClr>
-          </a:lnRef>
-          <a:fillRef idx="1">
-            <a:schemeClr val="accent1"/>
-          </a:fillRef>
-          <a:effectRef idx="0">
-            <a:schemeClr val="accent1"/>
-          </a:effectRef>
-          <a:fontRef idx="minor">
-            <a:schemeClr val="lt1"/>
-          </a:fontRef>
-        </p:style>
-        <p:txBody>
-          <a:bodyPr rtlCol="0" anchor="ctr"/>
-          <a:lstStyle/>
-          <a:p>
-            <a:pPr algn="ctr"/>
-            <a:endParaRPr lang="en-US"/>
-          </a:p>
-        </p:txBody>
-      </p:sp>
-      <p:sp>
-        <p:nvSpPr>
-          <p:cNvPr id="35" name="Rectangle 34">
-            <a:extLst>
-              <a:ext uri="{FF2B5EF4-FFF2-40B4-BE49-F238E27FC236}">
-                <a16:creationId xmlns:a16="http://schemas.microsoft.com/office/drawing/2014/main" id="{4935F901-F632-4698-8C7A-AC29B2397A6C}"/>
-              </a:ext>
-            </a:extLst>
-          </p:cNvPr>
-          <p:cNvSpPr/>
-          <p:nvPr/>
-        </p:nvSpPr>
-        <p:spPr>
-          <a:xfrm rot="19800000">
-            <a:off x="8263809" y="5824178"/>
-            <a:ext cx="4731177" cy="269178"/>
-          </a:xfrm>
-          <a:prstGeom prst="rect">
-            <a:avLst/>
-          </a:prstGeom>
-          <a:solidFill>
-            <a:srgbClr val="A71B86"/>
-          </a:solidFill>
-          <a:ln>
-            <a:noFill/>
-          </a:ln>
-        </p:spPr>
-        <p:style>
-          <a:lnRef idx="2">
-            <a:schemeClr val="accent1">
-              <a:shade val="50000"/>
-            </a:schemeClr>
-          </a:lnRef>
-          <a:fillRef idx="1">
-            <a:schemeClr val="accent1"/>
-          </a:fillRef>
-          <a:effectRef idx="0">
-            <a:schemeClr val="accent1"/>
-          </a:effectRef>
-          <a:fontRef idx="minor">
-            <a:schemeClr val="lt1"/>
-          </a:fontRef>
-        </p:style>
-        <p:txBody>
-          <a:bodyPr rtlCol="0" anchor="ctr"/>
-          <a:lstStyle/>
-          <a:p>
-            <a:pPr algn="ctr"/>
-            <a:endParaRPr lang="en-US"/>
-          </a:p>
-        </p:txBody>
-      </p:sp>
-      <p:pic>
-        <p:nvPicPr>
-          <p:cNvPr id="37" name="Graphic 36" descr="Palm tree">
-            <a:extLst>
-              <a:ext uri="{FF2B5EF4-FFF2-40B4-BE49-F238E27FC236}">
-                <a16:creationId xmlns:a16="http://schemas.microsoft.com/office/drawing/2014/main" id="{79F2EC1B-9713-4CCF-8301-82ED265F3940}"/>
-              </a:ext>
-            </a:extLst>
-          </p:cNvPr>
-          <p:cNvPicPr>
-            <a:picLocks noChangeAspect="1"/>
-          </p:cNvPicPr>
-          <p:nvPr/>
-        </p:nvPicPr>
-        <p:blipFill>
-          <a:blip r:embed="rId4">
-            <a:extLst>
-              <a:ext uri="{28A0092B-C50C-407E-A947-70E740481C1C}">
-                <a14:useLocalDpi xmlns:a14="http://schemas.microsoft.com/office/drawing/2010/main" val="0"/>
-              </a:ext>
-              <a:ext uri="{96DAC541-7B7A-43D3-8B79-37D633B846F1}">
-                <asvg:svgBlip xmlns:asvg="http://schemas.microsoft.com/office/drawing/2016/SVG/main" r:embed="rId5"/>
-              </a:ext>
-            </a:extLst>
-          </a:blip>
-          <a:stretch>
-            <a:fillRect/>
-          </a:stretch>
-        </p:blipFill>
-        <p:spPr>
-          <a:xfrm>
-            <a:off x="8964994" y="809490"/>
-            <a:ext cx="914400" cy="914400"/>
-          </a:xfrm>
-          <a:prstGeom prst="rect">
-            <a:avLst/>
-          </a:prstGeom>
-        </p:spPr>
-      </p:pic>
-      <p:pic>
-        <p:nvPicPr>
-          <p:cNvPr id="38" name="Graphic 37" descr="Palm tree">
-            <a:extLst>
-              <a:ext uri="{FF2B5EF4-FFF2-40B4-BE49-F238E27FC236}">
-                <a16:creationId xmlns:a16="http://schemas.microsoft.com/office/drawing/2014/main" id="{11C9CA6F-B5F0-4837-8E50-85C201ADA4F1}"/>
-              </a:ext>
-            </a:extLst>
-          </p:cNvPr>
-          <p:cNvPicPr>
-            <a:picLocks noChangeAspect="1"/>
-          </p:cNvPicPr>
-          <p:nvPr/>
-        </p:nvPicPr>
-        <p:blipFill>
-          <a:blip r:embed="rId4">
-            <a:extLst>
-              <a:ext uri="{28A0092B-C50C-407E-A947-70E740481C1C}">
-                <a14:useLocalDpi xmlns:a14="http://schemas.microsoft.com/office/drawing/2010/main" val="0"/>
-              </a:ext>
-              <a:ext uri="{96DAC541-7B7A-43D3-8B79-37D633B846F1}">
-                <asvg:svgBlip xmlns:asvg="http://schemas.microsoft.com/office/drawing/2016/SVG/main" r:embed="rId5"/>
-              </a:ext>
-            </a:extLst>
-          </a:blip>
-          <a:stretch>
-            <a:fillRect/>
-          </a:stretch>
-        </p:blipFill>
-        <p:spPr>
-          <a:xfrm>
-            <a:off x="8834542" y="1142112"/>
-            <a:ext cx="553133" cy="553133"/>
-          </a:xfrm>
-          <a:prstGeom prst="rect">
-            <a:avLst/>
-          </a:prstGeom>
-        </p:spPr>
-      </p:pic>
-      <p:pic>
-        <p:nvPicPr>
-          <p:cNvPr id="39" name="Graphic 38" descr="Palm tree">
-            <a:extLst>
-              <a:ext uri="{FF2B5EF4-FFF2-40B4-BE49-F238E27FC236}">
-                <a16:creationId xmlns:a16="http://schemas.microsoft.com/office/drawing/2014/main" id="{585AC1AD-01C8-4E2D-8361-4BEA62A48584}"/>
-              </a:ext>
-            </a:extLst>
-          </p:cNvPr>
-          <p:cNvPicPr>
-            <a:picLocks noChangeAspect="1"/>
-          </p:cNvPicPr>
-          <p:nvPr/>
-        </p:nvPicPr>
-        <p:blipFill>
-          <a:blip r:embed="rId4">
-            <a:extLst>
-              <a:ext uri="{28A0092B-C50C-407E-A947-70E740481C1C}">
-                <a14:useLocalDpi xmlns:a14="http://schemas.microsoft.com/office/drawing/2010/main" val="0"/>
-              </a:ext>
-              <a:ext uri="{96DAC541-7B7A-43D3-8B79-37D633B846F1}">
-                <asvg:svgBlip xmlns:asvg="http://schemas.microsoft.com/office/drawing/2016/SVG/main" r:embed="rId5"/>
-              </a:ext>
-            </a:extLst>
-          </a:blip>
-          <a:stretch>
-            <a:fillRect/>
-          </a:stretch>
-        </p:blipFill>
-        <p:spPr>
-          <a:xfrm>
-            <a:off x="9387675" y="1277468"/>
-            <a:ext cx="404329" cy="404329"/>
-          </a:xfrm>
-          <a:prstGeom prst="rect">
-            <a:avLst/>
-          </a:prstGeom>
-        </p:spPr>
-      </p:pic>
-      <p:pic>
-        <p:nvPicPr>
-          <p:cNvPr id="29" name="Picture 28">
-            <a:extLst>
-              <a:ext uri="{FF2B5EF4-FFF2-40B4-BE49-F238E27FC236}">
-                <a16:creationId xmlns:a16="http://schemas.microsoft.com/office/drawing/2014/main" id="{0B08284B-21DB-40AF-905D-B22253892AE8}"/>
-              </a:ext>
-            </a:extLst>
-          </p:cNvPr>
-          <p:cNvPicPr>
-            <a:picLocks noChangeAspect="1"/>
-          </p:cNvPicPr>
-          <p:nvPr/>
-        </p:nvPicPr>
-        <p:blipFill>
-          <a:blip r:embed="rId6"/>
-          <a:stretch>
-            <a:fillRect/>
-          </a:stretch>
-        </p:blipFill>
-        <p:spPr>
-          <a:xfrm>
-            <a:off x="1182438" y="3160156"/>
-            <a:ext cx="3610395" cy="2658887"/>
-          </a:xfrm>
-          <a:prstGeom prst="rect">
-            <a:avLst/>
-          </a:prstGeom>
-          <a:ln w="38100">
-            <a:solidFill>
-              <a:srgbClr val="11B29F"/>
-            </a:solidFill>
-          </a:ln>
-          <a:effectLst>
-            <a:outerShdw blurRad="292100" dist="139700" dir="2700000" algn="tl" rotWithShape="0">
-              <a:srgbClr val="333333">
-                <a:alpha val="65000"/>
-              </a:srgbClr>
-            </a:outerShdw>
-          </a:effectLst>
-        </p:spPr>
-      </p:pic>
-      <p:pic>
-        <p:nvPicPr>
-          <p:cNvPr id="30" name="Picture 29">
-            <a:extLst>
-              <a:ext uri="{FF2B5EF4-FFF2-40B4-BE49-F238E27FC236}">
-                <a16:creationId xmlns:a16="http://schemas.microsoft.com/office/drawing/2014/main" id="{F982944E-1372-4A7E-860E-56BD99671B2B}"/>
-              </a:ext>
-            </a:extLst>
-          </p:cNvPr>
-          <p:cNvPicPr>
-            <a:picLocks noChangeAspect="1"/>
-          </p:cNvPicPr>
-          <p:nvPr/>
-        </p:nvPicPr>
-        <p:blipFill>
-          <a:blip r:embed="rId7"/>
-          <a:stretch>
-            <a:fillRect/>
-          </a:stretch>
-        </p:blipFill>
-        <p:spPr>
-          <a:xfrm>
-            <a:off x="6106221" y="3160145"/>
-            <a:ext cx="3685783" cy="2658898"/>
-          </a:xfrm>
-          <a:prstGeom prst="rect">
-            <a:avLst/>
-          </a:prstGeom>
-          <a:ln w="38100">
-            <a:solidFill>
-              <a:srgbClr val="11B29F"/>
-            </a:solidFill>
-          </a:ln>
-          <a:effectLst>
-            <a:outerShdw blurRad="292100" dist="139700" dir="2700000" algn="tl" rotWithShape="0">
-              <a:srgbClr val="333333">
-                <a:alpha val="65000"/>
-              </a:srgbClr>
-            </a:outerShdw>
-          </a:effectLst>
-        </p:spPr>
-      </p:pic>
-      <p:cxnSp>
-        <p:nvCxnSpPr>
-          <p:cNvPr id="31" name="Straight Arrow Connector 30">
-            <a:extLst>
-              <a:ext uri="{FF2B5EF4-FFF2-40B4-BE49-F238E27FC236}">
-                <a16:creationId xmlns:a16="http://schemas.microsoft.com/office/drawing/2014/main" id="{C65EE88F-A6CE-4460-A2B9-BA082538EAB4}"/>
-              </a:ext>
-            </a:extLst>
-          </p:cNvPr>
-          <p:cNvCxnSpPr>
-            <a:cxnSpLocks/>
-          </p:cNvCxnSpPr>
-          <p:nvPr/>
-        </p:nvCxnSpPr>
-        <p:spPr>
-          <a:xfrm>
-            <a:off x="5130054" y="4501412"/>
-            <a:ext cx="786654" cy="0"/>
-          </a:xfrm>
-          <a:prstGeom prst="straightConnector1">
-            <a:avLst/>
-          </a:prstGeom>
-          <a:ln w="38100">
-            <a:solidFill>
-              <a:srgbClr val="A71B86"/>
-            </a:solidFill>
-            <a:tailEnd type="triangle"/>
-          </a:ln>
-        </p:spPr>
-        <p:style>
-          <a:lnRef idx="1">
-            <a:schemeClr val="accent1"/>
-          </a:lnRef>
-          <a:fillRef idx="0">
-            <a:schemeClr val="accent1"/>
-          </a:fillRef>
-          <a:effectRef idx="0">
-            <a:schemeClr val="accent1"/>
-          </a:effectRef>
-          <a:fontRef idx="minor">
-            <a:schemeClr val="tx1"/>
-          </a:fontRef>
-        </p:style>
-      </p:cxnSp>
-      <p:cxnSp>
-        <p:nvCxnSpPr>
-          <p:cNvPr id="40" name="Straight Arrow Connector 39">
-            <a:extLst>
-              <a:ext uri="{FF2B5EF4-FFF2-40B4-BE49-F238E27FC236}">
-                <a16:creationId xmlns:a16="http://schemas.microsoft.com/office/drawing/2014/main" id="{ED83662A-6603-4774-AAA4-E618F66B4AA4}"/>
-              </a:ext>
-            </a:extLst>
-          </p:cNvPr>
-          <p:cNvCxnSpPr>
-            <a:cxnSpLocks/>
-          </p:cNvCxnSpPr>
-          <p:nvPr/>
-        </p:nvCxnSpPr>
-        <p:spPr>
-          <a:xfrm flipH="1">
-            <a:off x="5000066" y="4501412"/>
-            <a:ext cx="786654" cy="0"/>
-          </a:xfrm>
-          <a:prstGeom prst="straightConnector1">
-            <a:avLst/>
-          </a:prstGeom>
-          <a:ln w="38100">
-            <a:solidFill>
-              <a:srgbClr val="A71B86"/>
-            </a:solidFill>
-            <a:tailEnd type="triangle"/>
-          </a:ln>
-        </p:spPr>
-        <p:style>
-          <a:lnRef idx="1">
-            <a:schemeClr val="accent1"/>
-          </a:lnRef>
-          <a:fillRef idx="0">
-            <a:schemeClr val="accent1"/>
-          </a:fillRef>
-          <a:effectRef idx="0">
-            <a:schemeClr val="accent1"/>
-          </a:effectRef>
-          <a:fontRef idx="minor">
-            <a:schemeClr val="tx1"/>
-          </a:fontRef>
-        </p:style>
-      </p:cxnSp>
-    </p:spTree>
-    <p:extLst>
-      <p:ext uri="{BB962C8B-B14F-4D97-AF65-F5344CB8AC3E}">
-        <p14:creationId xmlns:p14="http://schemas.microsoft.com/office/powerpoint/2010/main" val="2354487934"/>
-      </p:ext>
-    </p:extLst>
-  </p:cSld>
-  <p:clrMapOvr>
-    <a:masterClrMapping/>
-  </p:clrMapOvr>
-</p:sld>
-</file>
-
-<file path=ppt/slides/slide16.xml><?xml version="1.0" encoding="utf-8"?>
 <p:sld xmlns:a="http://schemas.openxmlformats.org/drawingml/2006/main" xmlns:r="http://schemas.openxmlformats.org/officeDocument/2006/relationships" xmlns:p="http://schemas.openxmlformats.org/presentationml/2006/main">
   <p:cSld>
     <p:bg>
@@ -20670,8 +16848,8 @@
           </p:sp>
         </mc:Fallback>
       </mc:AlternateContent>
-      <mc:AlternateContent xmlns:mc="http://schemas.openxmlformats.org/markup-compatibility/2006">
-        <mc:Choice xmlns:a14="http://schemas.microsoft.com/office/drawing/2010/main" Requires="a14">
+      <mc:AlternateContent xmlns:mc="http://schemas.openxmlformats.org/markup-compatibility/2006" xmlns:a14="http://schemas.microsoft.com/office/drawing/2010/main">
+        <mc:Choice Requires="a14">
           <p:sp>
             <p:nvSpPr>
               <p:cNvPr id="30" name="TextBox 29">
@@ -20900,25 +17078,7 @@
                           </a:solidFill>
                           <a:latin typeface="Cambria Math" panose="02040503050406030204" pitchFamily="18" charset="0"/>
                         </a:rPr>
-                        <m:t>+16</m:t>
-                      </m:r>
-                      <m:r>
-                        <a:rPr lang="en-US" sz="2000" b="0" i="1" smtClean="0">
-                          <a:solidFill>
-                            <a:srgbClr val="404040"/>
-                          </a:solidFill>
-                          <a:latin typeface="Cambria Math" panose="02040503050406030204" pitchFamily="18" charset="0"/>
-                        </a:rPr>
-                        <m:t>9</m:t>
-                      </m:r>
-                      <m:r>
-                        <a:rPr lang="en-US" sz="2000" b="0" i="1" smtClean="0">
-                          <a:solidFill>
-                            <a:srgbClr val="404040"/>
-                          </a:solidFill>
-                          <a:latin typeface="Cambria Math" panose="02040503050406030204" pitchFamily="18" charset="0"/>
-                        </a:rPr>
-                        <m:t>6.8</m:t>
+                        <m:t>+1696.8</m:t>
                       </m:r>
                       <m:r>
                         <a:rPr lang="en-US" sz="2000" b="0" i="1" smtClean="0">
@@ -20950,7 +17110,7 @@
             </p:txBody>
           </p:sp>
         </mc:Choice>
-        <mc:Fallback>
+        <mc:Fallback xmlns="">
           <p:sp>
             <p:nvSpPr>
               <p:cNvPr id="30" name="TextBox 29">
@@ -23990,8 +20150,8 @@
           </a:p>
         </p:txBody>
       </p:sp>
-      <mc:AlternateContent xmlns:mc="http://schemas.openxmlformats.org/markup-compatibility/2006">
-        <mc:Choice xmlns:a14="http://schemas.microsoft.com/office/drawing/2010/main" Requires="a14">
+      <mc:AlternateContent xmlns:mc="http://schemas.openxmlformats.org/markup-compatibility/2006" xmlns:a14="http://schemas.microsoft.com/office/drawing/2010/main">
+        <mc:Choice Requires="a14">
           <p:sp>
             <p:nvSpPr>
               <p:cNvPr id="36" name="TextBox 35">
@@ -24243,7 +20403,7 @@
             </p:txBody>
           </p:sp>
         </mc:Choice>
-        <mc:Fallback>
+        <mc:Fallback xmlns="">
           <p:sp>
             <p:nvSpPr>
               <p:cNvPr id="36" name="TextBox 35">
@@ -24405,8 +20565,8 @@
           </a:prstGeom>
         </p:spPr>
       </p:pic>
-      <mc:AlternateContent xmlns:mc="http://schemas.openxmlformats.org/markup-compatibility/2006">
-        <mc:Choice xmlns:a14="http://schemas.microsoft.com/office/drawing/2010/main" Requires="a14">
+      <mc:AlternateContent xmlns:mc="http://schemas.openxmlformats.org/markup-compatibility/2006" xmlns:a14="http://schemas.microsoft.com/office/drawing/2010/main">
+        <mc:Choice Requires="a14">
           <p:sp>
             <p:nvSpPr>
               <p:cNvPr id="23" name="TextBox 22">
@@ -24501,25 +20661,7 @@
                           </a:solidFill>
                           <a:latin typeface="Cambria Math" panose="02040503050406030204" pitchFamily="18" charset="0"/>
                         </a:rPr>
-                        <m:t>+16</m:t>
-                      </m:r>
-                      <m:r>
-                        <a:rPr lang="en-US" sz="2000" b="0" i="1" smtClean="0">
-                          <a:solidFill>
-                            <a:srgbClr val="404040"/>
-                          </a:solidFill>
-                          <a:latin typeface="Cambria Math" panose="02040503050406030204" pitchFamily="18" charset="0"/>
-                        </a:rPr>
-                        <m:t>9</m:t>
-                      </m:r>
-                      <m:r>
-                        <a:rPr lang="en-US" sz="2000" b="0" i="1" smtClean="0">
-                          <a:solidFill>
-                            <a:srgbClr val="404040"/>
-                          </a:solidFill>
-                          <a:latin typeface="Cambria Math" panose="02040503050406030204" pitchFamily="18" charset="0"/>
-                        </a:rPr>
-                        <m:t>6.8</m:t>
+                        <m:t>+1696.8</m:t>
                       </m:r>
                       <m:r>
                         <a:rPr lang="en-US" sz="2000" b="0" i="1" smtClean="0">
@@ -24551,7 +20693,7 @@
             </p:txBody>
           </p:sp>
         </mc:Choice>
-        <mc:Fallback>
+        <mc:Fallback xmlns="">
           <p:sp>
             <p:nvSpPr>
               <p:cNvPr id="23" name="TextBox 22">
@@ -24596,8 +20738,8 @@
           </p:sp>
         </mc:Fallback>
       </mc:AlternateContent>
-      <mc:AlternateContent xmlns:mc="http://schemas.openxmlformats.org/markup-compatibility/2006">
-        <mc:Choice xmlns:a14="http://schemas.microsoft.com/office/drawing/2010/main" Requires="a14">
+      <mc:AlternateContent xmlns:mc="http://schemas.openxmlformats.org/markup-compatibility/2006" xmlns:a14="http://schemas.microsoft.com/office/drawing/2010/main">
+        <mc:Choice Requires="a14">
           <p:sp>
             <p:nvSpPr>
               <p:cNvPr id="29" name="TextBox 28">
@@ -24695,25 +20837,7 @@
                               </a:solidFill>
                               <a:latin typeface="Cambria Math" panose="02040503050406030204" pitchFamily="18" charset="0"/>
                             </a:rPr>
-                            <m:t>−</m:t>
-                          </m:r>
-                          <m:r>
-                            <a:rPr lang="en-US" sz="2000" b="0" i="1" smtClean="0">
-                              <a:solidFill>
-                                <a:srgbClr val="404040"/>
-                              </a:solidFill>
-                              <a:latin typeface="Cambria Math" panose="02040503050406030204" pitchFamily="18" charset="0"/>
-                            </a:rPr>
-                            <m:t>24.</m:t>
-                          </m:r>
-                          <m:r>
-                            <a:rPr lang="en-US" sz="2000" b="0" i="1" smtClean="0">
-                              <a:solidFill>
-                                <a:srgbClr val="404040"/>
-                              </a:solidFill>
-                              <a:latin typeface="Cambria Math" panose="02040503050406030204" pitchFamily="18" charset="0"/>
-                            </a:rPr>
-                            <m:t>6</m:t>
+                            <m:t>−24.6</m:t>
                           </m:r>
                         </m:e>
                       </m:d>
@@ -24742,34 +20866,7 @@
                           </a:solidFill>
                           <a:latin typeface="Cambria Math" panose="02040503050406030204" pitchFamily="18" charset="0"/>
                         </a:rPr>
-                        <m:t>+16</m:t>
-                      </m:r>
-                      <m:r>
-                        <a:rPr lang="en-US" sz="2000" b="0" i="1" smtClean="0">
-                          <a:solidFill>
-                            <a:srgbClr val="404040"/>
-                          </a:solidFill>
-                          <a:latin typeface="Cambria Math" panose="02040503050406030204" pitchFamily="18" charset="0"/>
-                        </a:rPr>
-                        <m:t>9</m:t>
-                      </m:r>
-                      <m:r>
-                        <a:rPr lang="en-US" sz="2000" b="0" i="1" smtClean="0">
-                          <a:solidFill>
-                            <a:srgbClr val="404040"/>
-                          </a:solidFill>
-                          <a:latin typeface="Cambria Math" panose="02040503050406030204" pitchFamily="18" charset="0"/>
-                        </a:rPr>
-                        <m:t>6.</m:t>
-                      </m:r>
-                      <m:r>
-                        <a:rPr lang="en-US" sz="2000" b="0" i="1" smtClean="0">
-                          <a:solidFill>
-                            <a:srgbClr val="404040"/>
-                          </a:solidFill>
-                          <a:latin typeface="Cambria Math" panose="02040503050406030204" pitchFamily="18" charset="0"/>
-                        </a:rPr>
-                        <m:t>8=−49.2</m:t>
+                        <m:t>+1696.8=−49.2</m:t>
                       </m:r>
                       <m:r>
                         <a:rPr lang="en-US" sz="2000" b="0" i="1" smtClean="0">
@@ -24801,7 +20898,7 @@
             </p:txBody>
           </p:sp>
         </mc:Choice>
-        <mc:Fallback>
+        <mc:Fallback xmlns="">
           <p:sp>
             <p:nvSpPr>
               <p:cNvPr id="29" name="TextBox 28">
@@ -24846,8 +20943,8 @@
           </p:sp>
         </mc:Fallback>
       </mc:AlternateContent>
-      <mc:AlternateContent xmlns:mc="http://schemas.openxmlformats.org/markup-compatibility/2006">
-        <mc:Choice xmlns:a14="http://schemas.microsoft.com/office/drawing/2010/main" Requires="a14">
+      <mc:AlternateContent xmlns:mc="http://schemas.openxmlformats.org/markup-compatibility/2006" xmlns:a14="http://schemas.microsoft.com/office/drawing/2010/main">
+        <mc:Choice Requires="a14">
           <p:sp>
             <p:nvSpPr>
               <p:cNvPr id="30" name="TextBox 29">
@@ -24890,25 +20987,7 @@
                           </a:solidFill>
                           <a:latin typeface="Cambria Math" panose="02040503050406030204" pitchFamily="18" charset="0"/>
                         </a:rPr>
-                        <m:t>0</m:t>
-                      </m:r>
-                      <m:r>
-                        <a:rPr lang="en-US" sz="2000" b="0" i="1" smtClean="0">
-                          <a:solidFill>
-                            <a:srgbClr val="404040"/>
-                          </a:solidFill>
-                          <a:latin typeface="Cambria Math" panose="02040503050406030204" pitchFamily="18" charset="0"/>
-                        </a:rPr>
-                        <m:t>=</m:t>
-                      </m:r>
-                      <m:r>
-                        <a:rPr lang="en-US" sz="2000" b="0" i="1" smtClean="0">
-                          <a:solidFill>
-                            <a:srgbClr val="404040"/>
-                          </a:solidFill>
-                          <a:latin typeface="Cambria Math" panose="02040503050406030204" pitchFamily="18" charset="0"/>
-                        </a:rPr>
-                        <m:t>−49.2</m:t>
+                        <m:t>0=−49.2</m:t>
                       </m:r>
                       <m:sSup>
                         <m:sSupPr>
@@ -24951,34 +21030,7 @@
                           </a:solidFill>
                           <a:latin typeface="Cambria Math" panose="02040503050406030204" pitchFamily="18" charset="0"/>
                         </a:rPr>
-                        <m:t>+16</m:t>
-                      </m:r>
-                      <m:r>
-                        <a:rPr lang="en-US" sz="2000" b="0" i="1" smtClean="0">
-                          <a:solidFill>
-                            <a:srgbClr val="404040"/>
-                          </a:solidFill>
-                          <a:latin typeface="Cambria Math" panose="02040503050406030204" pitchFamily="18" charset="0"/>
-                        </a:rPr>
-                        <m:t>9</m:t>
-                      </m:r>
-                      <m:r>
-                        <a:rPr lang="en-US" sz="2000" b="0" i="1" smtClean="0">
-                          <a:solidFill>
-                            <a:srgbClr val="404040"/>
-                          </a:solidFill>
-                          <a:latin typeface="Cambria Math" panose="02040503050406030204" pitchFamily="18" charset="0"/>
-                        </a:rPr>
-                        <m:t>6.</m:t>
-                      </m:r>
-                      <m:r>
-                        <a:rPr lang="en-US" sz="2000" b="0" i="1" smtClean="0">
-                          <a:solidFill>
-                            <a:srgbClr val="404040"/>
-                          </a:solidFill>
-                          <a:latin typeface="Cambria Math" panose="02040503050406030204" pitchFamily="18" charset="0"/>
-                        </a:rPr>
-                        <m:t>8    →       </m:t>
+                        <m:t>+1696.8    →       </m:t>
                       </m:r>
                       <m:sSup>
                         <m:sSupPr>
@@ -25042,16 +21094,7 @@
                               </a:solidFill>
                               <a:latin typeface="Cambria Math" panose="02040503050406030204" pitchFamily="18" charset="0"/>
                             </a:rPr>
-                            <m:t>−</m:t>
-                          </m:r>
-                          <m:r>
-                            <a:rPr lang="en-US" sz="2000" b="0" i="1" smtClean="0">
-                              <a:solidFill>
-                                <a:srgbClr val="404040"/>
-                              </a:solidFill>
-                              <a:latin typeface="Cambria Math" panose="02040503050406030204" pitchFamily="18" charset="0"/>
-                            </a:rPr>
-                            <m:t>1696.8</m:t>
+                            <m:t>−1696.8</m:t>
                           </m:r>
                         </m:num>
                         <m:den>
@@ -25087,7 +21130,7 @@
             </p:txBody>
           </p:sp>
         </mc:Choice>
-        <mc:Fallback>
+        <mc:Fallback xmlns="">
           <p:sp>
             <p:nvSpPr>
               <p:cNvPr id="30" name="TextBox 29">
@@ -25132,8 +21175,8 @@
           </p:sp>
         </mc:Fallback>
       </mc:AlternateContent>
-      <mc:AlternateContent xmlns:mc="http://schemas.openxmlformats.org/markup-compatibility/2006">
-        <mc:Choice xmlns:a14="http://schemas.microsoft.com/office/drawing/2010/main" Requires="a14">
+      <mc:AlternateContent xmlns:mc="http://schemas.openxmlformats.org/markup-compatibility/2006" xmlns:a14="http://schemas.microsoft.com/office/drawing/2010/main">
+        <mc:Choice Requires="a14">
           <p:sp>
             <p:nvSpPr>
               <p:cNvPr id="31" name="TextBox 30">
@@ -25210,16 +21253,7 @@
                           </a:solidFill>
                           <a:latin typeface="Cambria Math" panose="02040503050406030204" pitchFamily="18" charset="0"/>
                         </a:rPr>
-                        <m:t>=</m:t>
-                      </m:r>
-                      <m:r>
-                        <a:rPr lang="en-US" sz="2000" b="0" i="1" smtClean="0">
-                          <a:solidFill>
-                            <a:srgbClr val="404040"/>
-                          </a:solidFill>
-                          <a:latin typeface="Cambria Math" panose="02040503050406030204" pitchFamily="18" charset="0"/>
-                        </a:rPr>
-                        <m:t>−49.2&lt;0   →   </m:t>
+                        <m:t>=−49.2&lt;0   →   </m:t>
                       </m:r>
                       <m:r>
                         <a:rPr lang="en-US" sz="2000" b="0" i="1" smtClean="0">
@@ -25278,7 +21312,7 @@
             </p:txBody>
           </p:sp>
         </mc:Choice>
-        <mc:Fallback>
+        <mc:Fallback xmlns="">
           <p:sp>
             <p:nvSpPr>
               <p:cNvPr id="31" name="TextBox 30">
@@ -26308,8 +22342,8 @@
           </a:prstGeom>
         </p:spPr>
       </p:pic>
-      <mc:AlternateContent xmlns:mc="http://schemas.openxmlformats.org/markup-compatibility/2006">
-        <mc:Choice xmlns:a14="http://schemas.microsoft.com/office/drawing/2010/main" Requires="a14">
+      <mc:AlternateContent xmlns:mc="http://schemas.openxmlformats.org/markup-compatibility/2006" xmlns:a14="http://schemas.microsoft.com/office/drawing/2010/main">
+        <mc:Choice Requires="a14">
           <p:sp>
             <p:nvSpPr>
               <p:cNvPr id="3" name="Rectangle 2">
@@ -26472,7 +22506,7 @@
             </p:txBody>
           </p:sp>
         </mc:Choice>
-        <mc:Fallback>
+        <mc:Fallback xmlns="">
           <p:sp>
             <p:nvSpPr>
               <p:cNvPr id="3" name="Rectangle 2">
@@ -26517,8 +22551,8 @@
           </p:sp>
         </mc:Fallback>
       </mc:AlternateContent>
-      <mc:AlternateContent xmlns:mc="http://schemas.openxmlformats.org/markup-compatibility/2006">
-        <mc:Choice xmlns:a14="http://schemas.microsoft.com/office/drawing/2010/main" Requires="a14">
+      <mc:AlternateContent xmlns:mc="http://schemas.openxmlformats.org/markup-compatibility/2006" xmlns:a14="http://schemas.microsoft.com/office/drawing/2010/main">
+        <mc:Choice Requires="a14">
           <p:sp>
             <p:nvSpPr>
               <p:cNvPr id="40" name="TextBox 39">
@@ -26616,7 +22650,7 @@
             </p:txBody>
           </p:sp>
         </mc:Choice>
-        <mc:Fallback>
+        <mc:Fallback xmlns="">
           <p:sp>
             <p:nvSpPr>
               <p:cNvPr id="40" name="TextBox 39">
